--- a/Case-Study-2.pptx
+++ b/Case-Study-2.pptx
@@ -6,6 +6,12 @@
   </p:sldMasterIdLst>
   <p:sldIdLst>
     <p:sldId id="256" r:id="rId2"/>
+    <p:sldId id="257" r:id="rId3"/>
+    <p:sldId id="258" r:id="rId4"/>
+    <p:sldId id="261" r:id="rId5"/>
+    <p:sldId id="262" r:id="rId6"/>
+    <p:sldId id="263" r:id="rId7"/>
+    <p:sldId id="264" r:id="rId8"/>
   </p:sldIdLst>
   <p:sldSz cx="12192000" cy="6858000"/>
   <p:notesSz cx="6858000" cy="9144000"/>
@@ -2740,9 +2746,12 @@
 <p:sldMaster xmlns:a="http://schemas.openxmlformats.org/drawingml/2006/main" xmlns:r="http://schemas.openxmlformats.org/officeDocument/2006/relationships" xmlns:p="http://schemas.openxmlformats.org/presentationml/2006/main">
   <p:cSld>
     <p:bg>
-      <p:bgRef idx="1001">
-        <a:schemeClr val="bg1"/>
-      </p:bgRef>
+      <p:bgPr>
+        <a:solidFill>
+          <a:schemeClr val="bg1"/>
+        </a:solidFill>
+        <a:effectLst/>
+      </p:bgPr>
     </p:bg>
     <p:spTree>
       <p:nvGrpSpPr>
@@ -3323,6 +3332,216 @@
       </p:grpSpPr>
       <p:sp>
         <p:nvSpPr>
+          <p:cNvPr id="38" name="Rectangle 37">
+            <a:extLst>
+              <a:ext uri="{FF2B5EF4-FFF2-40B4-BE49-F238E27FC236}">
+                <a16:creationId xmlns:a16="http://schemas.microsoft.com/office/drawing/2014/main" id="{2A8AA5BC-4F7A-4226-8F99-6D824B226A97}"/>
+              </a:ext>
+              <a:ext uri="{C183D7F6-B498-43B3-948B-1728B52AA6E4}">
+                <adec:decorative xmlns:adec="http://schemas.microsoft.com/office/drawing/2017/decorative" val="1"/>
+              </a:ext>
+            </a:extLst>
+          </p:cNvPr>
+          <p:cNvSpPr>
+            <a:spLocks noGrp="1" noRot="1" noChangeAspect="1" noMove="1" noResize="1" noEditPoints="1" noAdjustHandles="1" noChangeArrowheads="1" noChangeShapeType="1" noTextEdit="1"/>
+          </p:cNvSpPr>
+          <p:nvPr>
+            <p:extLst>
+              <p:ext uri="{386F3935-93C4-4BCD-93E2-E3B085C9AB24}">
+                <p16:designElem xmlns:p16="http://schemas.microsoft.com/office/powerpoint/2015/main" val="1"/>
+              </p:ext>
+            </p:extLst>
+          </p:nvPr>
+        </p:nvSpPr>
+        <p:spPr>
+          <a:xfrm>
+            <a:off x="0" y="-3324"/>
+            <a:ext cx="12192000" cy="6861324"/>
+          </a:xfrm>
+          <a:prstGeom prst="rect">
+            <a:avLst/>
+          </a:prstGeom>
+          <a:solidFill>
+            <a:schemeClr val="tx1">
+              <a:lumMod val="75000"/>
+              <a:lumOff val="25000"/>
+            </a:schemeClr>
+          </a:solidFill>
+          <a:ln>
+            <a:noFill/>
+          </a:ln>
+        </p:spPr>
+        <p:style>
+          <a:lnRef idx="2">
+            <a:schemeClr val="accent1">
+              <a:shade val="50000"/>
+            </a:schemeClr>
+          </a:lnRef>
+          <a:fillRef idx="1">
+            <a:schemeClr val="accent1"/>
+          </a:fillRef>
+          <a:effectRef idx="0">
+            <a:schemeClr val="accent1"/>
+          </a:effectRef>
+          <a:fontRef idx="minor">
+            <a:schemeClr val="lt1"/>
+          </a:fontRef>
+        </p:style>
+        <p:txBody>
+          <a:bodyPr rtlCol="0" anchor="ctr"/>
+          <a:lstStyle/>
+          <a:p>
+            <a:pPr marL="0" marR="0" lvl="0" indent="0" algn="ctr" defTabSz="914400" rtl="0" eaLnBrk="1" fontAlgn="auto" latinLnBrk="0" hangingPunct="1">
+              <a:lnSpc>
+                <a:spcPct val="100000"/>
+              </a:lnSpc>
+              <a:spcBef>
+                <a:spcPts val="0"/>
+              </a:spcBef>
+              <a:spcAft>
+                <a:spcPts val="0"/>
+              </a:spcAft>
+              <a:buClrTx/>
+              <a:buSzTx/>
+              <a:buFontTx/>
+              <a:buNone/>
+              <a:tabLst/>
+              <a:defRPr/>
+            </a:pPr>
+            <a:endParaRPr kumimoji="0" lang="en-US" sz="1800" b="0" i="0" u="none" strike="noStrike" kern="1200" cap="none" spc="0" normalizeH="0" baseline="0" noProof="0">
+              <a:ln>
+                <a:noFill/>
+              </a:ln>
+              <a:solidFill>
+                <a:prstClr val="white"/>
+              </a:solidFill>
+              <a:effectLst/>
+              <a:uLnTx/>
+              <a:uFillTx/>
+              <a:latin typeface="Calibri" panose="020F0502020204030204"/>
+              <a:ea typeface="+mn-ea"/>
+              <a:cs typeface="+mn-cs"/>
+            </a:endParaRPr>
+          </a:p>
+        </p:txBody>
+      </p:sp>
+      <p:cxnSp>
+        <p:nvCxnSpPr>
+          <p:cNvPr id="40" name="Straight Connector 39">
+            <a:extLst>
+              <a:ext uri="{FF2B5EF4-FFF2-40B4-BE49-F238E27FC236}">
+                <a16:creationId xmlns:a16="http://schemas.microsoft.com/office/drawing/2014/main" id="{911DBBF1-3229-4BD9-B3D1-B4CA571E7431}"/>
+              </a:ext>
+              <a:ext uri="{C183D7F6-B498-43B3-948B-1728B52AA6E4}">
+                <adec:decorative xmlns:adec="http://schemas.microsoft.com/office/drawing/2017/decorative" val="1"/>
+              </a:ext>
+            </a:extLst>
+          </p:cNvPr>
+          <p:cNvCxnSpPr>
+            <a:cxnSpLocks noGrp="1" noRot="1" noChangeAspect="1" noMove="1" noResize="1" noEditPoints="1" noAdjustHandles="1" noChangeArrowheads="1" noChangeShapeType="1"/>
+          </p:cNvCxnSpPr>
+          <p:nvPr>
+            <p:extLst>
+              <p:ext uri="{386F3935-93C4-4BCD-93E2-E3B085C9AB24}">
+                <p16:designElem xmlns:p16="http://schemas.microsoft.com/office/powerpoint/2015/main" val="1"/>
+              </p:ext>
+            </p:extLst>
+          </p:nvPr>
+        </p:nvCxnSpPr>
+        <p:spPr bwMode="white">
+          <a:xfrm>
+            <a:off x="0" y="843625"/>
+            <a:ext cx="12188824" cy="0"/>
+          </a:xfrm>
+          <a:prstGeom prst="line">
+            <a:avLst/>
+          </a:prstGeom>
+          <a:ln w="50800">
+            <a:solidFill>
+              <a:schemeClr val="bg1"/>
+            </a:solidFill>
+          </a:ln>
+        </p:spPr>
+        <p:style>
+          <a:lnRef idx="1">
+            <a:schemeClr val="accent1"/>
+          </a:lnRef>
+          <a:fillRef idx="0">
+            <a:schemeClr val="accent1"/>
+          </a:fillRef>
+          <a:effectRef idx="0">
+            <a:schemeClr val="accent1"/>
+          </a:effectRef>
+          <a:fontRef idx="minor">
+            <a:schemeClr val="tx1"/>
+          </a:fontRef>
+        </p:style>
+      </p:cxnSp>
+      <p:sp>
+        <p:nvSpPr>
+          <p:cNvPr id="42" name="Rectangle 41">
+            <a:extLst>
+              <a:ext uri="{FF2B5EF4-FFF2-40B4-BE49-F238E27FC236}">
+                <a16:creationId xmlns:a16="http://schemas.microsoft.com/office/drawing/2014/main" id="{5BC87C3E-1040-4EE4-9BDB-9537F7A1B335}"/>
+              </a:ext>
+              <a:ext uri="{C183D7F6-B498-43B3-948B-1728B52AA6E4}">
+                <adec:decorative xmlns:adec="http://schemas.microsoft.com/office/drawing/2017/decorative" val="1"/>
+              </a:ext>
+            </a:extLst>
+          </p:cNvPr>
+          <p:cNvSpPr>
+            <a:spLocks noGrp="1" noRot="1" noChangeAspect="1" noMove="1" noResize="1" noEditPoints="1" noAdjustHandles="1" noChangeArrowheads="1" noChangeShapeType="1" noTextEdit="1"/>
+          </p:cNvSpPr>
+          <p:nvPr>
+            <p:extLst>
+              <p:ext uri="{386F3935-93C4-4BCD-93E2-E3B085C9AB24}">
+                <p16:designElem xmlns:p16="http://schemas.microsoft.com/office/powerpoint/2015/main" val="1"/>
+              </p:ext>
+            </p:extLst>
+          </p:nvPr>
+        </p:nvSpPr>
+        <p:spPr>
+          <a:xfrm>
+            <a:off x="3176" y="968282"/>
+            <a:ext cx="12188824" cy="4946904"/>
+          </a:xfrm>
+          <a:prstGeom prst="rect">
+            <a:avLst/>
+          </a:prstGeom>
+          <a:solidFill>
+            <a:schemeClr val="bg1"/>
+          </a:solidFill>
+          <a:ln>
+            <a:noFill/>
+          </a:ln>
+        </p:spPr>
+        <p:style>
+          <a:lnRef idx="2">
+            <a:schemeClr val="accent1">
+              <a:shade val="50000"/>
+            </a:schemeClr>
+          </a:lnRef>
+          <a:fillRef idx="1">
+            <a:schemeClr val="accent1"/>
+          </a:fillRef>
+          <a:effectRef idx="0">
+            <a:schemeClr val="accent1"/>
+          </a:effectRef>
+          <a:fontRef idx="minor">
+            <a:schemeClr val="lt1"/>
+          </a:fontRef>
+        </p:style>
+        <p:txBody>
+          <a:bodyPr rtlCol="0" anchor="ctr"/>
+          <a:lstStyle/>
+          <a:p>
+            <a:pPr algn="ctr"/>
+            <a:endParaRPr lang="en-US"/>
+          </a:p>
+        </p:txBody>
+      </p:sp>
+      <p:sp>
+        <p:nvSpPr>
           <p:cNvPr id="2" name="Title 1">
             <a:extLst>
               <a:ext uri="{FF2B5EF4-FFF2-40B4-BE49-F238E27FC236}">
@@ -3337,14 +3556,28 @@
             <p:ph type="ctrTitle"/>
           </p:nvPr>
         </p:nvSpPr>
-        <p:spPr/>
-        <p:txBody>
-          <a:bodyPr/>
-          <a:lstStyle/>
-          <a:p>
-            <a:r>
-              <a:rPr lang="en-US" dirty="0"/>
-              <a:t>Case Study 2</a:t>
+        <p:spPr>
+          <a:xfrm>
+            <a:off x="795338" y="1566473"/>
+            <a:ext cx="10601325" cy="2166723"/>
+          </a:xfrm>
+        </p:spPr>
+        <p:txBody>
+          <a:bodyPr>
+            <a:normAutofit/>
+          </a:bodyPr>
+          <a:lstStyle/>
+          <a:p>
+            <a:r>
+              <a:rPr lang="en-US" sz="6600"/>
+              <a:t>Case Study 2 </a:t>
+            </a:r>
+            <a:br>
+              <a:rPr lang="en-US" sz="6600"/>
+            </a:br>
+            <a:r>
+              <a:rPr lang="en-US" sz="6600"/>
+              <a:t>Employee Attrition Analysis</a:t>
             </a:r>
           </a:p>
         </p:txBody>
@@ -3365,9 +3598,16 @@
             <p:ph type="subTitle" idx="1"/>
           </p:nvPr>
         </p:nvSpPr>
-        <p:spPr/>
-        <p:txBody>
-          <a:bodyPr/>
+        <p:spPr>
+          <a:xfrm>
+            <a:off x="795338" y="4092320"/>
+            <a:ext cx="10601325" cy="1144884"/>
+          </a:xfrm>
+        </p:spPr>
+        <p:txBody>
+          <a:bodyPr>
+            <a:normAutofit/>
+          </a:bodyPr>
           <a:lstStyle/>
           <a:p>
             <a:r>
@@ -3375,12 +3615,1965 @@
               <a:t>Alex Lopez</a:t>
             </a:r>
           </a:p>
-        </p:txBody>
-      </p:sp>
+          <a:p>
+            <a:r>
+              <a:rPr lang="en-US"/>
+              <a:t>Doing Data Science</a:t>
+            </a:r>
+          </a:p>
+        </p:txBody>
+      </p:sp>
+      <p:cxnSp>
+        <p:nvCxnSpPr>
+          <p:cNvPr id="44" name="Straight Connector 43">
+            <a:extLst>
+              <a:ext uri="{FF2B5EF4-FFF2-40B4-BE49-F238E27FC236}">
+                <a16:creationId xmlns:a16="http://schemas.microsoft.com/office/drawing/2014/main" id="{42CDBECE-872A-4C73-9DC1-BB4E805E2CF5}"/>
+              </a:ext>
+              <a:ext uri="{C183D7F6-B498-43B3-948B-1728B52AA6E4}">
+                <adec:decorative xmlns:adec="http://schemas.microsoft.com/office/drawing/2017/decorative" val="1"/>
+              </a:ext>
+            </a:extLst>
+          </p:cNvPr>
+          <p:cNvCxnSpPr>
+            <a:cxnSpLocks noGrp="1" noRot="1" noChangeAspect="1" noMove="1" noResize="1" noEditPoints="1" noAdjustHandles="1" noChangeArrowheads="1" noChangeShapeType="1"/>
+          </p:cNvCxnSpPr>
+          <p:nvPr>
+            <p:extLst>
+              <p:ext uri="{386F3935-93C4-4BCD-93E2-E3B085C9AB24}">
+                <p16:designElem xmlns:p16="http://schemas.microsoft.com/office/powerpoint/2015/main" val="1"/>
+              </p:ext>
+            </p:extLst>
+          </p:nvPr>
+        </p:nvCxnSpPr>
+        <p:spPr>
+          <a:xfrm>
+            <a:off x="4724400" y="3894594"/>
+            <a:ext cx="2743200" cy="0"/>
+          </a:xfrm>
+          <a:prstGeom prst="line">
+            <a:avLst/>
+          </a:prstGeom>
+          <a:ln w="19050">
+            <a:solidFill>
+              <a:schemeClr val="tx1">
+                <a:lumMod val="50000"/>
+                <a:lumOff val="50000"/>
+              </a:schemeClr>
+            </a:solidFill>
+          </a:ln>
+        </p:spPr>
+        <p:style>
+          <a:lnRef idx="1">
+            <a:schemeClr val="accent1"/>
+          </a:lnRef>
+          <a:fillRef idx="0">
+            <a:schemeClr val="accent1"/>
+          </a:fillRef>
+          <a:effectRef idx="0">
+            <a:schemeClr val="accent1"/>
+          </a:effectRef>
+          <a:fontRef idx="minor">
+            <a:schemeClr val="tx1"/>
+          </a:fontRef>
+        </p:style>
+      </p:cxnSp>
+      <p:cxnSp>
+        <p:nvCxnSpPr>
+          <p:cNvPr id="46" name="Straight Connector 45">
+            <a:extLst>
+              <a:ext uri="{FF2B5EF4-FFF2-40B4-BE49-F238E27FC236}">
+                <a16:creationId xmlns:a16="http://schemas.microsoft.com/office/drawing/2014/main" id="{F5CD5A0B-CDD7-427C-AA42-2EECFDFA1811}"/>
+              </a:ext>
+              <a:ext uri="{C183D7F6-B498-43B3-948B-1728B52AA6E4}">
+                <adec:decorative xmlns:adec="http://schemas.microsoft.com/office/drawing/2017/decorative" val="1"/>
+              </a:ext>
+            </a:extLst>
+          </p:cNvPr>
+          <p:cNvCxnSpPr>
+            <a:cxnSpLocks noGrp="1" noRot="1" noChangeAspect="1" noMove="1" noResize="1" noEditPoints="1" noAdjustHandles="1" noChangeArrowheads="1" noChangeShapeType="1"/>
+          </p:cNvCxnSpPr>
+          <p:nvPr>
+            <p:extLst>
+              <p:ext uri="{386F3935-93C4-4BCD-93E2-E3B085C9AB24}">
+                <p16:designElem xmlns:p16="http://schemas.microsoft.com/office/powerpoint/2015/main" val="1"/>
+              </p:ext>
+            </p:extLst>
+          </p:nvPr>
+        </p:nvCxnSpPr>
+        <p:spPr bwMode="white">
+          <a:xfrm>
+            <a:off x="0" y="6028863"/>
+            <a:ext cx="12188824" cy="0"/>
+          </a:xfrm>
+          <a:prstGeom prst="line">
+            <a:avLst/>
+          </a:prstGeom>
+          <a:ln w="50800">
+            <a:solidFill>
+              <a:schemeClr val="bg1"/>
+            </a:solidFill>
+          </a:ln>
+        </p:spPr>
+        <p:style>
+          <a:lnRef idx="1">
+            <a:schemeClr val="accent1"/>
+          </a:lnRef>
+          <a:fillRef idx="0">
+            <a:schemeClr val="accent1"/>
+          </a:fillRef>
+          <a:effectRef idx="0">
+            <a:schemeClr val="accent1"/>
+          </a:effectRef>
+          <a:fontRef idx="minor">
+            <a:schemeClr val="tx1"/>
+          </a:fontRef>
+        </p:style>
+      </p:cxnSp>
     </p:spTree>
     <p:extLst>
       <p:ext uri="{BB962C8B-B14F-4D97-AF65-F5344CB8AC3E}">
         <p14:creationId xmlns:p14="http://schemas.microsoft.com/office/powerpoint/2010/main" val="892275378"/>
+      </p:ext>
+    </p:extLst>
+  </p:cSld>
+  <p:clrMapOvr>
+    <a:masterClrMapping/>
+  </p:clrMapOvr>
+</p:sld>
+</file>
+
+<file path=ppt/slides/slide2.xml><?xml version="1.0" encoding="utf-8"?>
+<p:sld xmlns:a="http://schemas.openxmlformats.org/drawingml/2006/main" xmlns:r="http://schemas.openxmlformats.org/officeDocument/2006/relationships" xmlns:p="http://schemas.openxmlformats.org/presentationml/2006/main">
+  <p:cSld>
+    <p:spTree>
+      <p:nvGrpSpPr>
+        <p:cNvPr id="1" name=""/>
+        <p:cNvGrpSpPr/>
+        <p:nvPr/>
+      </p:nvGrpSpPr>
+      <p:grpSpPr>
+        <a:xfrm>
+          <a:off x="0" y="0"/>
+          <a:ext cx="0" cy="0"/>
+          <a:chOff x="0" y="0"/>
+          <a:chExt cx="0" cy="0"/>
+        </a:xfrm>
+      </p:grpSpPr>
+      <p:cxnSp>
+        <p:nvCxnSpPr>
+          <p:cNvPr id="192" name="Straight Connector 191">
+            <a:extLst>
+              <a:ext uri="{FF2B5EF4-FFF2-40B4-BE49-F238E27FC236}">
+                <a16:creationId xmlns:a16="http://schemas.microsoft.com/office/drawing/2014/main" id="{99AE2756-0FC4-4155-83E7-58AAAB63E757}"/>
+              </a:ext>
+              <a:ext uri="{C183D7F6-B498-43B3-948B-1728B52AA6E4}">
+                <adec:decorative xmlns:adec="http://schemas.microsoft.com/office/drawing/2017/decorative" val="1"/>
+              </a:ext>
+            </a:extLst>
+          </p:cNvPr>
+          <p:cNvCxnSpPr>
+            <a:cxnSpLocks noGrp="1" noRot="1" noChangeAspect="1" noMove="1" noResize="1" noEditPoints="1" noAdjustHandles="1" noChangeArrowheads="1" noChangeShapeType="1"/>
+          </p:cNvCxnSpPr>
+          <p:nvPr>
+            <p:extLst>
+              <p:ext uri="{386F3935-93C4-4BCD-93E2-E3B085C9AB24}">
+                <p16:designElem xmlns:p16="http://schemas.microsoft.com/office/powerpoint/2015/main" val="1"/>
+              </p:ext>
+            </p:extLst>
+          </p:nvPr>
+        </p:nvCxnSpPr>
+        <p:spPr>
+          <a:xfrm>
+            <a:off x="4065689" y="477749"/>
+            <a:ext cx="0" cy="3657600"/>
+          </a:xfrm>
+          <a:prstGeom prst="line">
+            <a:avLst/>
+          </a:prstGeom>
+          <a:ln w="101600" cmpd="dbl">
+            <a:solidFill>
+              <a:srgbClr val="595959"/>
+            </a:solidFill>
+          </a:ln>
+        </p:spPr>
+        <p:style>
+          <a:lnRef idx="1">
+            <a:schemeClr val="accent1"/>
+          </a:lnRef>
+          <a:fillRef idx="0">
+            <a:schemeClr val="accent1"/>
+          </a:fillRef>
+          <a:effectRef idx="0">
+            <a:schemeClr val="accent1"/>
+          </a:effectRef>
+          <a:fontRef idx="minor">
+            <a:schemeClr val="tx1"/>
+          </a:fontRef>
+        </p:style>
+      </p:cxnSp>
+      <p:sp>
+        <p:nvSpPr>
+          <p:cNvPr id="193" name="Rectangle 192">
+            <a:extLst>
+              <a:ext uri="{FF2B5EF4-FFF2-40B4-BE49-F238E27FC236}">
+                <a16:creationId xmlns:a16="http://schemas.microsoft.com/office/drawing/2014/main" id="{247AB924-1B87-43FC-B7C7-B112D5C51A0E}"/>
+              </a:ext>
+              <a:ext uri="{C183D7F6-B498-43B3-948B-1728B52AA6E4}">
+                <adec:decorative xmlns:adec="http://schemas.microsoft.com/office/drawing/2017/decorative" val="1"/>
+              </a:ext>
+            </a:extLst>
+          </p:cNvPr>
+          <p:cNvSpPr>
+            <a:spLocks noGrp="1" noRot="1" noChangeAspect="1" noMove="1" noResize="1" noEditPoints="1" noAdjustHandles="1" noChangeArrowheads="1" noChangeShapeType="1" noTextEdit="1"/>
+          </p:cNvSpPr>
+          <p:nvPr>
+            <p:extLst>
+              <p:ext uri="{386F3935-93C4-4BCD-93E2-E3B085C9AB24}">
+                <p16:designElem xmlns:p16="http://schemas.microsoft.com/office/powerpoint/2015/main" val="1"/>
+              </p:ext>
+            </p:extLst>
+          </p:nvPr>
+        </p:nvSpPr>
+        <p:spPr bwMode="ltGray">
+          <a:xfrm>
+            <a:off x="378068" y="4633546"/>
+            <a:ext cx="11438793" cy="1844256"/>
+          </a:xfrm>
+          <a:prstGeom prst="rect">
+            <a:avLst/>
+          </a:prstGeom>
+          <a:solidFill>
+            <a:srgbClr val="404040"/>
+          </a:solidFill>
+          <a:ln w="127000" cap="sq" cmpd="thinThick">
+            <a:solidFill>
+              <a:srgbClr val="404040"/>
+            </a:solidFill>
+          </a:ln>
+        </p:spPr>
+        <p:style>
+          <a:lnRef idx="2">
+            <a:schemeClr val="accent1">
+              <a:shade val="50000"/>
+            </a:schemeClr>
+          </a:lnRef>
+          <a:fillRef idx="1">
+            <a:schemeClr val="accent1"/>
+          </a:fillRef>
+          <a:effectRef idx="0">
+            <a:schemeClr val="accent1"/>
+          </a:effectRef>
+          <a:fontRef idx="minor">
+            <a:schemeClr val="lt1"/>
+          </a:fontRef>
+        </p:style>
+        <p:txBody>
+          <a:bodyPr rtlCol="0" anchor="ctr"/>
+          <a:lstStyle/>
+          <a:p>
+            <a:pPr algn="ctr"/>
+            <a:endParaRPr lang="en-US"/>
+          </a:p>
+        </p:txBody>
+      </p:sp>
+      <p:sp>
+        <p:nvSpPr>
+          <p:cNvPr id="2" name="Title 1">
+            <a:extLst>
+              <a:ext uri="{FF2B5EF4-FFF2-40B4-BE49-F238E27FC236}">
+                <a16:creationId xmlns:a16="http://schemas.microsoft.com/office/drawing/2014/main" id="{68881C80-7E2F-4A42-AC76-CB32CB4FB1B1}"/>
+              </a:ext>
+            </a:extLst>
+          </p:cNvPr>
+          <p:cNvSpPr>
+            <a:spLocks noGrp="1"/>
+          </p:cNvSpPr>
+          <p:nvPr>
+            <p:ph type="title"/>
+          </p:nvPr>
+        </p:nvSpPr>
+        <p:spPr>
+          <a:xfrm>
+            <a:off x="527538" y="4756638"/>
+            <a:ext cx="11139854" cy="930447"/>
+          </a:xfrm>
+        </p:spPr>
+        <p:txBody>
+          <a:bodyPr vert="horz" lIns="91440" tIns="45720" rIns="91440" bIns="45720" rtlCol="0" anchor="b">
+            <a:normAutofit/>
+          </a:bodyPr>
+          <a:lstStyle/>
+          <a:p>
+            <a:pPr algn="ctr"/>
+            <a:r>
+              <a:rPr lang="en-US" sz="5400">
+                <a:solidFill>
+                  <a:srgbClr val="FFFFFF"/>
+                </a:solidFill>
+              </a:rPr>
+              <a:t>EDA – Top 3 Contributing Factors</a:t>
+            </a:r>
+          </a:p>
+        </p:txBody>
+      </p:sp>
+      <p:pic>
+        <p:nvPicPr>
+          <p:cNvPr id="1032" name="Picture 8">
+            <a:extLst>
+              <a:ext uri="{FF2B5EF4-FFF2-40B4-BE49-F238E27FC236}">
+                <a16:creationId xmlns:a16="http://schemas.microsoft.com/office/drawing/2014/main" id="{2ECEEF2F-2BD8-3D48-A332-FA0B76BAE877}"/>
+              </a:ext>
+            </a:extLst>
+          </p:cNvPr>
+          <p:cNvPicPr>
+            <a:picLocks noChangeAspect="1" noChangeArrowheads="1"/>
+          </p:cNvPicPr>
+          <p:nvPr/>
+        </p:nvPicPr>
+        <p:blipFill>
+          <a:blip r:embed="rId2">
+            <a:extLst>
+              <a:ext uri="{28A0092B-C50C-407E-A947-70E740481C1C}">
+                <a14:useLocalDpi xmlns:a14="http://schemas.microsoft.com/office/drawing/2010/main" val="0"/>
+              </a:ext>
+            </a:extLst>
+          </a:blip>
+          <a:stretch>
+            <a:fillRect/>
+          </a:stretch>
+        </p:blipFill>
+        <p:spPr bwMode="auto">
+          <a:xfrm>
+            <a:off x="320040" y="1081894"/>
+            <a:ext cx="3425609" cy="2449310"/>
+          </a:xfrm>
+          <a:prstGeom prst="rect">
+            <a:avLst/>
+          </a:prstGeom>
+          <a:extLst>
+            <a:ext uri="{909E8E84-426E-40DD-AFC4-6F175D3DCCD1}">
+              <a14:hiddenFill xmlns:a14="http://schemas.microsoft.com/office/drawing/2010/main">
+                <a:solidFill>
+                  <a:srgbClr val="FFFFFF"/>
+                </a:solidFill>
+              </a14:hiddenFill>
+            </a:ext>
+          </a:extLst>
+        </p:spPr>
+      </p:pic>
+      <p:pic>
+        <p:nvPicPr>
+          <p:cNvPr id="1026" name="Picture 2">
+            <a:extLst>
+              <a:ext uri="{FF2B5EF4-FFF2-40B4-BE49-F238E27FC236}">
+                <a16:creationId xmlns:a16="http://schemas.microsoft.com/office/drawing/2014/main" id="{522252C7-C40C-DA41-BDA1-8FA00BB3D8A7}"/>
+              </a:ext>
+            </a:extLst>
+          </p:cNvPr>
+          <p:cNvPicPr>
+            <a:picLocks noGrp="1" noChangeAspect="1" noChangeArrowheads="1"/>
+          </p:cNvPicPr>
+          <p:nvPr>
+            <p:ph idx="1"/>
+          </p:nvPr>
+        </p:nvPicPr>
+        <p:blipFill>
+          <a:blip r:embed="rId3">
+            <a:extLst>
+              <a:ext uri="{28A0092B-C50C-407E-A947-70E740481C1C}">
+                <a14:useLocalDpi xmlns:a14="http://schemas.microsoft.com/office/drawing/2010/main" val="0"/>
+              </a:ext>
+            </a:extLst>
+          </a:blip>
+          <a:stretch>
+            <a:fillRect/>
+          </a:stretch>
+        </p:blipFill>
+        <p:spPr bwMode="auto">
+          <a:xfrm>
+            <a:off x="4385729" y="1079136"/>
+            <a:ext cx="3433324" cy="2454826"/>
+          </a:xfrm>
+          <a:prstGeom prst="rect">
+            <a:avLst/>
+          </a:prstGeom>
+          <a:extLst>
+            <a:ext uri="{909E8E84-426E-40DD-AFC4-6F175D3DCCD1}">
+              <a14:hiddenFill xmlns:a14="http://schemas.microsoft.com/office/drawing/2010/main">
+                <a:solidFill>
+                  <a:srgbClr val="FFFFFF"/>
+                </a:solidFill>
+              </a14:hiddenFill>
+            </a:ext>
+          </a:extLst>
+        </p:spPr>
+      </p:pic>
+      <p:cxnSp>
+        <p:nvCxnSpPr>
+          <p:cNvPr id="194" name="Straight Connector 193">
+            <a:extLst>
+              <a:ext uri="{FF2B5EF4-FFF2-40B4-BE49-F238E27FC236}">
+                <a16:creationId xmlns:a16="http://schemas.microsoft.com/office/drawing/2014/main" id="{818DC98F-4057-4645-B948-F604F39A9CFE}"/>
+              </a:ext>
+              <a:ext uri="{C183D7F6-B498-43B3-948B-1728B52AA6E4}">
+                <adec:decorative xmlns:adec="http://schemas.microsoft.com/office/drawing/2017/decorative" val="1"/>
+              </a:ext>
+            </a:extLst>
+          </p:cNvPr>
+          <p:cNvCxnSpPr>
+            <a:cxnSpLocks noGrp="1" noRot="1" noChangeAspect="1" noMove="1" noResize="1" noEditPoints="1" noAdjustHandles="1" noChangeArrowheads="1" noChangeShapeType="1"/>
+          </p:cNvCxnSpPr>
+          <p:nvPr>
+            <p:extLst>
+              <p:ext uri="{386F3935-93C4-4BCD-93E2-E3B085C9AB24}">
+                <p16:designElem xmlns:p16="http://schemas.microsoft.com/office/powerpoint/2015/main" val="1"/>
+              </p:ext>
+            </p:extLst>
+          </p:nvPr>
+        </p:nvCxnSpPr>
+        <p:spPr>
+          <a:xfrm>
+            <a:off x="8153400" y="477749"/>
+            <a:ext cx="0" cy="3657600"/>
+          </a:xfrm>
+          <a:prstGeom prst="line">
+            <a:avLst/>
+          </a:prstGeom>
+          <a:ln w="101600" cmpd="dbl">
+            <a:solidFill>
+              <a:srgbClr val="595959"/>
+            </a:solidFill>
+          </a:ln>
+        </p:spPr>
+        <p:style>
+          <a:lnRef idx="1">
+            <a:schemeClr val="accent1"/>
+          </a:lnRef>
+          <a:fillRef idx="0">
+            <a:schemeClr val="accent1"/>
+          </a:fillRef>
+          <a:effectRef idx="0">
+            <a:schemeClr val="accent1"/>
+          </a:effectRef>
+          <a:fontRef idx="minor">
+            <a:schemeClr val="tx1"/>
+          </a:fontRef>
+        </p:style>
+      </p:cxnSp>
+      <p:pic>
+        <p:nvPicPr>
+          <p:cNvPr id="1030" name="Picture 6">
+            <a:extLst>
+              <a:ext uri="{FF2B5EF4-FFF2-40B4-BE49-F238E27FC236}">
+                <a16:creationId xmlns:a16="http://schemas.microsoft.com/office/drawing/2014/main" id="{DBE133DE-85A9-7E4E-AC46-4335F8A3C4DD}"/>
+              </a:ext>
+            </a:extLst>
+          </p:cNvPr>
+          <p:cNvPicPr>
+            <a:picLocks noChangeAspect="1" noChangeArrowheads="1"/>
+          </p:cNvPicPr>
+          <p:nvPr/>
+        </p:nvPicPr>
+        <p:blipFill>
+          <a:blip r:embed="rId4">
+            <a:extLst>
+              <a:ext uri="{28A0092B-C50C-407E-A947-70E740481C1C}">
+                <a14:useLocalDpi xmlns:a14="http://schemas.microsoft.com/office/drawing/2010/main" val="0"/>
+              </a:ext>
+            </a:extLst>
+          </a:blip>
+          <a:stretch>
+            <a:fillRect/>
+          </a:stretch>
+        </p:blipFill>
+        <p:spPr bwMode="auto">
+          <a:xfrm>
+            <a:off x="8449725" y="1104814"/>
+            <a:ext cx="3423916" cy="2448099"/>
+          </a:xfrm>
+          <a:prstGeom prst="rect">
+            <a:avLst/>
+          </a:prstGeom>
+          <a:extLst>
+            <a:ext uri="{909E8E84-426E-40DD-AFC4-6F175D3DCCD1}">
+              <a14:hiddenFill xmlns:a14="http://schemas.microsoft.com/office/drawing/2010/main">
+                <a:solidFill>
+                  <a:srgbClr val="FFFFFF"/>
+                </a:solidFill>
+              </a14:hiddenFill>
+            </a:ext>
+          </a:extLst>
+        </p:spPr>
+      </p:pic>
+      <p:cxnSp>
+        <p:nvCxnSpPr>
+          <p:cNvPr id="195" name="Straight Connector 194">
+            <a:extLst>
+              <a:ext uri="{FF2B5EF4-FFF2-40B4-BE49-F238E27FC236}">
+                <a16:creationId xmlns:a16="http://schemas.microsoft.com/office/drawing/2014/main" id="{DAD2B705-4A9B-408D-AA80-4F41045E09DE}"/>
+              </a:ext>
+              <a:ext uri="{C183D7F6-B498-43B3-948B-1728B52AA6E4}">
+                <adec:decorative xmlns:adec="http://schemas.microsoft.com/office/drawing/2017/decorative" val="1"/>
+              </a:ext>
+            </a:extLst>
+          </p:cNvPr>
+          <p:cNvCxnSpPr>
+            <a:cxnSpLocks noGrp="1" noRot="1" noChangeAspect="1" noMove="1" noResize="1" noEditPoints="1" noAdjustHandles="1" noChangeArrowheads="1" noChangeShapeType="1"/>
+          </p:cNvCxnSpPr>
+          <p:nvPr>
+            <p:extLst>
+              <p:ext uri="{386F3935-93C4-4BCD-93E2-E3B085C9AB24}">
+                <p16:designElem xmlns:p16="http://schemas.microsoft.com/office/powerpoint/2015/main" val="1"/>
+              </p:ext>
+            </p:extLst>
+          </p:nvPr>
+        </p:nvCxnSpPr>
+        <p:spPr>
+          <a:xfrm>
+            <a:off x="2209800" y="5738691"/>
+            <a:ext cx="7772400" cy="0"/>
+          </a:xfrm>
+          <a:prstGeom prst="line">
+            <a:avLst/>
+          </a:prstGeom>
+          <a:ln w="22225">
+            <a:solidFill>
+              <a:srgbClr val="D9D9D9"/>
+            </a:solidFill>
+          </a:ln>
+        </p:spPr>
+        <p:style>
+          <a:lnRef idx="1">
+            <a:schemeClr val="accent1"/>
+          </a:lnRef>
+          <a:fillRef idx="0">
+            <a:schemeClr val="accent1"/>
+          </a:fillRef>
+          <a:effectRef idx="0">
+            <a:schemeClr val="accent1"/>
+          </a:effectRef>
+          <a:fontRef idx="minor">
+            <a:schemeClr val="tx1"/>
+          </a:fontRef>
+        </p:style>
+      </p:cxnSp>
+    </p:spTree>
+    <p:extLst>
+      <p:ext uri="{BB962C8B-B14F-4D97-AF65-F5344CB8AC3E}">
+        <p14:creationId xmlns:p14="http://schemas.microsoft.com/office/powerpoint/2010/main" val="1077774852"/>
+      </p:ext>
+    </p:extLst>
+  </p:cSld>
+  <p:clrMapOvr>
+    <a:masterClrMapping/>
+  </p:clrMapOvr>
+</p:sld>
+</file>
+
+<file path=ppt/slides/slide3.xml><?xml version="1.0" encoding="utf-8"?>
+<p:sld xmlns:a="http://schemas.openxmlformats.org/drawingml/2006/main" xmlns:r="http://schemas.openxmlformats.org/officeDocument/2006/relationships" xmlns:p="http://schemas.openxmlformats.org/presentationml/2006/main">
+  <p:cSld>
+    <p:bg>
+      <p:bgPr>
+        <a:solidFill>
+          <a:schemeClr val="bg1"/>
+        </a:solidFill>
+        <a:effectLst/>
+      </p:bgPr>
+    </p:bg>
+    <p:spTree>
+      <p:nvGrpSpPr>
+        <p:cNvPr id="1" name=""/>
+        <p:cNvGrpSpPr/>
+        <p:nvPr/>
+      </p:nvGrpSpPr>
+      <p:grpSpPr>
+        <a:xfrm>
+          <a:off x="0" y="0"/>
+          <a:ext cx="0" cy="0"/>
+          <a:chOff x="0" y="0"/>
+          <a:chExt cx="0" cy="0"/>
+        </a:xfrm>
+      </p:grpSpPr>
+      <p:sp>
+        <p:nvSpPr>
+          <p:cNvPr id="71" name="Down Arrow 7">
+            <a:extLst>
+              <a:ext uri="{FF2B5EF4-FFF2-40B4-BE49-F238E27FC236}">
+                <a16:creationId xmlns:a16="http://schemas.microsoft.com/office/drawing/2014/main" id="{D4771268-CB57-404A-9271-370EB28F6090}"/>
+              </a:ext>
+              <a:ext uri="{C183D7F6-B498-43B3-948B-1728B52AA6E4}">
+                <adec:decorative xmlns:adec="http://schemas.microsoft.com/office/drawing/2017/decorative" val="1"/>
+              </a:ext>
+            </a:extLst>
+          </p:cNvPr>
+          <p:cNvSpPr>
+            <a:spLocks noGrp="1" noRot="1" noChangeAspect="1" noMove="1" noResize="1" noEditPoints="1" noAdjustHandles="1" noChangeArrowheads="1" noChangeShapeType="1" noTextEdit="1"/>
+          </p:cNvSpPr>
+          <p:nvPr>
+            <p:extLst>
+              <p:ext uri="{386F3935-93C4-4BCD-93E2-E3B085C9AB24}">
+                <p16:designElem xmlns:p16="http://schemas.microsoft.com/office/powerpoint/2015/main" val="1"/>
+              </p:ext>
+            </p:extLst>
+          </p:nvPr>
+        </p:nvSpPr>
+        <p:spPr>
+          <a:xfrm rot="16200000">
+            <a:off x="800100" y="1491343"/>
+            <a:ext cx="3333749" cy="3499103"/>
+          </a:xfrm>
+          <a:prstGeom prst="downArrow">
+            <a:avLst>
+              <a:gd name="adj1" fmla="val 100000"/>
+              <a:gd name="adj2" fmla="val 15788"/>
+            </a:avLst>
+          </a:prstGeom>
+          <a:solidFill>
+            <a:srgbClr val="404040"/>
+          </a:solidFill>
+          <a:ln w="53975">
+            <a:noFill/>
+          </a:ln>
+        </p:spPr>
+        <p:style>
+          <a:lnRef idx="2">
+            <a:schemeClr val="accent1">
+              <a:shade val="50000"/>
+            </a:schemeClr>
+          </a:lnRef>
+          <a:fillRef idx="1">
+            <a:schemeClr val="accent1"/>
+          </a:fillRef>
+          <a:effectRef idx="0">
+            <a:schemeClr val="accent1"/>
+          </a:effectRef>
+          <a:fontRef idx="minor">
+            <a:schemeClr val="lt1"/>
+          </a:fontRef>
+        </p:style>
+        <p:txBody>
+          <a:bodyPr rtlCol="0" anchor="ctr"/>
+          <a:lstStyle/>
+          <a:p>
+            <a:pPr algn="ctr"/>
+            <a:endParaRPr lang="en-US"/>
+          </a:p>
+        </p:txBody>
+      </p:sp>
+      <p:sp>
+        <p:nvSpPr>
+          <p:cNvPr id="2" name="Title 1">
+            <a:extLst>
+              <a:ext uri="{FF2B5EF4-FFF2-40B4-BE49-F238E27FC236}">
+                <a16:creationId xmlns:a16="http://schemas.microsoft.com/office/drawing/2014/main" id="{D623427A-1D88-CE45-97D6-177389396314}"/>
+              </a:ext>
+            </a:extLst>
+          </p:cNvPr>
+          <p:cNvSpPr>
+            <a:spLocks noGrp="1"/>
+          </p:cNvSpPr>
+          <p:nvPr>
+            <p:ph type="title"/>
+          </p:nvPr>
+        </p:nvSpPr>
+        <p:spPr>
+          <a:xfrm>
+            <a:off x="1028700" y="1967266"/>
+            <a:ext cx="2628900" cy="2547257"/>
+          </a:xfrm>
+          <a:noFill/>
+        </p:spPr>
+        <p:txBody>
+          <a:bodyPr vert="horz" lIns="91440" tIns="45720" rIns="91440" bIns="45720" rtlCol="0" anchor="ctr">
+            <a:normAutofit/>
+          </a:bodyPr>
+          <a:lstStyle/>
+          <a:p>
+            <a:pPr algn="ctr"/>
+            <a:r>
+              <a:rPr lang="en-US" sz="3600" kern="1200" dirty="0">
+                <a:solidFill>
+                  <a:srgbClr val="FFFFFF"/>
+                </a:solidFill>
+                <a:latin typeface="+mj-lt"/>
+                <a:ea typeface="+mj-ea"/>
+                <a:cs typeface="+mj-cs"/>
+              </a:rPr>
+              <a:t>EDA – Top 3 Contributing Factors</a:t>
+            </a:r>
+          </a:p>
+        </p:txBody>
+      </p:sp>
+      <p:pic>
+        <p:nvPicPr>
+          <p:cNvPr id="4098" name="Picture 2">
+            <a:extLst>
+              <a:ext uri="{FF2B5EF4-FFF2-40B4-BE49-F238E27FC236}">
+                <a16:creationId xmlns:a16="http://schemas.microsoft.com/office/drawing/2014/main" id="{C567772F-4D8B-3D4D-911B-9A26F0108B1C}"/>
+              </a:ext>
+            </a:extLst>
+          </p:cNvPr>
+          <p:cNvPicPr>
+            <a:picLocks noGrp="1" noChangeAspect="1" noChangeArrowheads="1"/>
+          </p:cNvPicPr>
+          <p:nvPr>
+            <p:ph idx="1"/>
+          </p:nvPr>
+        </p:nvPicPr>
+        <p:blipFill>
+          <a:blip r:embed="rId2">
+            <a:extLst>
+              <a:ext uri="{28A0092B-C50C-407E-A947-70E740481C1C}">
+                <a14:useLocalDpi xmlns:a14="http://schemas.microsoft.com/office/drawing/2010/main" val="0"/>
+              </a:ext>
+            </a:extLst>
+          </a:blip>
+          <a:stretch>
+            <a:fillRect/>
+          </a:stretch>
+        </p:blipFill>
+        <p:spPr bwMode="auto">
+          <a:xfrm>
+            <a:off x="4777316" y="889686"/>
+            <a:ext cx="6940209" cy="4962249"/>
+          </a:xfrm>
+          <a:prstGeom prst="rect">
+            <a:avLst/>
+          </a:prstGeom>
+          <a:noFill/>
+          <a:extLst>
+            <a:ext uri="{909E8E84-426E-40DD-AFC4-6F175D3DCCD1}">
+              <a14:hiddenFill xmlns:a14="http://schemas.microsoft.com/office/drawing/2010/main">
+                <a:solidFill>
+                  <a:srgbClr val="FFFFFF"/>
+                </a:solidFill>
+              </a14:hiddenFill>
+            </a:ext>
+          </a:extLst>
+        </p:spPr>
+      </p:pic>
+      <p:sp>
+        <p:nvSpPr>
+          <p:cNvPr id="20" name="Frame 19">
+            <a:extLst>
+              <a:ext uri="{FF2B5EF4-FFF2-40B4-BE49-F238E27FC236}">
+                <a16:creationId xmlns:a16="http://schemas.microsoft.com/office/drawing/2014/main" id="{716588D1-1B64-654E-9016-AC9F5D8A36BB}"/>
+              </a:ext>
+            </a:extLst>
+          </p:cNvPr>
+          <p:cNvSpPr/>
+          <p:nvPr/>
+        </p:nvSpPr>
+        <p:spPr>
+          <a:xfrm>
+            <a:off x="9040389" y="2483708"/>
+            <a:ext cx="1396080" cy="501280"/>
+          </a:xfrm>
+          <a:prstGeom prst="frame">
+            <a:avLst/>
+          </a:prstGeom>
+          <a:solidFill>
+            <a:srgbClr val="FF0000"/>
+          </a:solidFill>
+        </p:spPr>
+        <p:style>
+          <a:lnRef idx="2">
+            <a:schemeClr val="accent1">
+              <a:shade val="50000"/>
+            </a:schemeClr>
+          </a:lnRef>
+          <a:fillRef idx="1">
+            <a:schemeClr val="accent1"/>
+          </a:fillRef>
+          <a:effectRef idx="0">
+            <a:schemeClr val="accent1"/>
+          </a:effectRef>
+          <a:fontRef idx="minor">
+            <a:schemeClr val="lt1"/>
+          </a:fontRef>
+        </p:style>
+        <p:txBody>
+          <a:bodyPr rtlCol="0" anchor="ctr"/>
+          <a:lstStyle/>
+          <a:p>
+            <a:pPr algn="ctr"/>
+            <a:endParaRPr lang="en-US">
+              <a:solidFill>
+                <a:schemeClr val="tx1"/>
+              </a:solidFill>
+            </a:endParaRPr>
+          </a:p>
+        </p:txBody>
+      </p:sp>
+      <p:cxnSp>
+        <p:nvCxnSpPr>
+          <p:cNvPr id="21" name="Straight Arrow Connector 20">
+            <a:extLst>
+              <a:ext uri="{FF2B5EF4-FFF2-40B4-BE49-F238E27FC236}">
+                <a16:creationId xmlns:a16="http://schemas.microsoft.com/office/drawing/2014/main" id="{3EECC961-6C90-A94B-A5B0-4AB2BA848031}"/>
+              </a:ext>
+            </a:extLst>
+          </p:cNvPr>
+          <p:cNvCxnSpPr>
+            <a:cxnSpLocks/>
+          </p:cNvCxnSpPr>
+          <p:nvPr/>
+        </p:nvCxnSpPr>
+        <p:spPr>
+          <a:xfrm>
+            <a:off x="7754670" y="2752873"/>
+            <a:ext cx="882703" cy="0"/>
+          </a:xfrm>
+          <a:prstGeom prst="straightConnector1">
+            <a:avLst/>
+          </a:prstGeom>
+          <a:ln w="44450">
+            <a:solidFill>
+              <a:srgbClr val="FF0000"/>
+            </a:solidFill>
+            <a:tailEnd type="triangle"/>
+          </a:ln>
+        </p:spPr>
+        <p:style>
+          <a:lnRef idx="3">
+            <a:schemeClr val="accent2"/>
+          </a:lnRef>
+          <a:fillRef idx="0">
+            <a:schemeClr val="accent2"/>
+          </a:fillRef>
+          <a:effectRef idx="2">
+            <a:schemeClr val="accent2"/>
+          </a:effectRef>
+          <a:fontRef idx="minor">
+            <a:schemeClr val="tx1"/>
+          </a:fontRef>
+        </p:style>
+      </p:cxnSp>
+    </p:spTree>
+    <p:extLst>
+      <p:ext uri="{BB962C8B-B14F-4D97-AF65-F5344CB8AC3E}">
+        <p14:creationId xmlns:p14="http://schemas.microsoft.com/office/powerpoint/2010/main" val="3587650025"/>
+      </p:ext>
+    </p:extLst>
+  </p:cSld>
+  <p:clrMapOvr>
+    <a:masterClrMapping/>
+  </p:clrMapOvr>
+</p:sld>
+</file>
+
+<file path=ppt/slides/slide4.xml><?xml version="1.0" encoding="utf-8"?>
+<p:sld xmlns:a="http://schemas.openxmlformats.org/drawingml/2006/main" xmlns:r="http://schemas.openxmlformats.org/officeDocument/2006/relationships" xmlns:p="http://schemas.openxmlformats.org/presentationml/2006/main">
+  <p:cSld>
+    <p:bg>
+      <p:bgPr>
+        <a:solidFill>
+          <a:schemeClr val="bg1"/>
+        </a:solidFill>
+        <a:effectLst/>
+      </p:bgPr>
+    </p:bg>
+    <p:spTree>
+      <p:nvGrpSpPr>
+        <p:cNvPr id="1" name=""/>
+        <p:cNvGrpSpPr/>
+        <p:nvPr/>
+      </p:nvGrpSpPr>
+      <p:grpSpPr>
+        <a:xfrm>
+          <a:off x="0" y="0"/>
+          <a:ext cx="0" cy="0"/>
+          <a:chOff x="0" y="0"/>
+          <a:chExt cx="0" cy="0"/>
+        </a:xfrm>
+      </p:grpSpPr>
+      <p:sp>
+        <p:nvSpPr>
+          <p:cNvPr id="16" name="Rectangle 15">
+            <a:extLst>
+              <a:ext uri="{FF2B5EF4-FFF2-40B4-BE49-F238E27FC236}">
+                <a16:creationId xmlns:a16="http://schemas.microsoft.com/office/drawing/2014/main" id="{5E52985E-2553-471E-82AA-5ED7A329890A}"/>
+              </a:ext>
+              <a:ext uri="{C183D7F6-B498-43B3-948B-1728B52AA6E4}">
+                <adec:decorative xmlns:adec="http://schemas.microsoft.com/office/drawing/2017/decorative" val="1"/>
+              </a:ext>
+            </a:extLst>
+          </p:cNvPr>
+          <p:cNvSpPr>
+            <a:spLocks noGrp="1" noRot="1" noChangeAspect="1" noMove="1" noResize="1" noEditPoints="1" noAdjustHandles="1" noChangeArrowheads="1" noChangeShapeType="1" noTextEdit="1"/>
+          </p:cNvSpPr>
+          <p:nvPr>
+            <p:extLst>
+              <p:ext uri="{386F3935-93C4-4BCD-93E2-E3B085C9AB24}">
+                <p16:designElem xmlns:p16="http://schemas.microsoft.com/office/powerpoint/2015/main" val="1"/>
+              </p:ext>
+            </p:extLst>
+          </p:nvPr>
+        </p:nvSpPr>
+        <p:spPr bwMode="ltGray">
+          <a:xfrm>
+            <a:off x="393308" y="4462044"/>
+            <a:ext cx="11438793" cy="1844256"/>
+          </a:xfrm>
+          <a:prstGeom prst="rect">
+            <a:avLst/>
+          </a:prstGeom>
+          <a:solidFill>
+            <a:schemeClr val="tx1">
+              <a:lumMod val="75000"/>
+              <a:lumOff val="25000"/>
+            </a:schemeClr>
+          </a:solidFill>
+          <a:ln w="127000" cap="sq" cmpd="thinThick">
+            <a:solidFill>
+              <a:schemeClr val="tx1">
+                <a:lumMod val="75000"/>
+                <a:lumOff val="25000"/>
+              </a:schemeClr>
+            </a:solidFill>
+          </a:ln>
+        </p:spPr>
+        <p:style>
+          <a:lnRef idx="2">
+            <a:schemeClr val="accent1">
+              <a:shade val="50000"/>
+            </a:schemeClr>
+          </a:lnRef>
+          <a:fillRef idx="1">
+            <a:schemeClr val="accent1"/>
+          </a:fillRef>
+          <a:effectRef idx="0">
+            <a:schemeClr val="accent1"/>
+          </a:effectRef>
+          <a:fontRef idx="minor">
+            <a:schemeClr val="lt1"/>
+          </a:fontRef>
+        </p:style>
+        <p:txBody>
+          <a:bodyPr rtlCol="0" anchor="ctr"/>
+          <a:lstStyle/>
+          <a:p>
+            <a:pPr marL="0" marR="0" lvl="0" indent="0" algn="ctr" defTabSz="914400" rtl="0" eaLnBrk="1" fontAlgn="auto" latinLnBrk="0" hangingPunct="1">
+              <a:lnSpc>
+                <a:spcPct val="100000"/>
+              </a:lnSpc>
+              <a:spcBef>
+                <a:spcPts val="0"/>
+              </a:spcBef>
+              <a:spcAft>
+                <a:spcPts val="0"/>
+              </a:spcAft>
+              <a:buClrTx/>
+              <a:buSzTx/>
+              <a:buFontTx/>
+              <a:buNone/>
+              <a:tabLst/>
+              <a:defRPr/>
+            </a:pPr>
+            <a:endParaRPr kumimoji="0" lang="en-US" sz="1800" b="0" i="0" u="none" strike="noStrike" kern="1200" cap="none" spc="0" normalizeH="0" baseline="0" noProof="0">
+              <a:ln>
+                <a:noFill/>
+              </a:ln>
+              <a:solidFill>
+                <a:prstClr val="white"/>
+              </a:solidFill>
+              <a:effectLst/>
+              <a:uLnTx/>
+              <a:uFillTx/>
+              <a:latin typeface="Calibri" panose="020F0502020204030204"/>
+              <a:ea typeface="+mn-ea"/>
+              <a:cs typeface="+mn-cs"/>
+            </a:endParaRPr>
+          </a:p>
+        </p:txBody>
+      </p:sp>
+      <p:sp>
+        <p:nvSpPr>
+          <p:cNvPr id="2" name="Title 1">
+            <a:extLst>
+              <a:ext uri="{FF2B5EF4-FFF2-40B4-BE49-F238E27FC236}">
+                <a16:creationId xmlns:a16="http://schemas.microsoft.com/office/drawing/2014/main" id="{E53FF7D9-F951-004C-BBDE-155A0F36CB38}"/>
+              </a:ext>
+            </a:extLst>
+          </p:cNvPr>
+          <p:cNvSpPr>
+            <a:spLocks noGrp="1"/>
+          </p:cNvSpPr>
+          <p:nvPr>
+            <p:ph type="title"/>
+          </p:nvPr>
+        </p:nvSpPr>
+        <p:spPr>
+          <a:xfrm>
+            <a:off x="649270" y="4615840"/>
+            <a:ext cx="3885141" cy="1526741"/>
+          </a:xfrm>
+        </p:spPr>
+        <p:txBody>
+          <a:bodyPr vert="horz" lIns="91440" tIns="45720" rIns="91440" bIns="45720" rtlCol="0">
+            <a:normAutofit/>
+          </a:bodyPr>
+          <a:lstStyle/>
+          <a:p>
+            <a:pPr algn="r"/>
+            <a:r>
+              <a:rPr lang="en-US" sz="3000" kern="1200">
+                <a:solidFill>
+                  <a:schemeClr val="bg1"/>
+                </a:solidFill>
+                <a:latin typeface="+mj-lt"/>
+                <a:ea typeface="+mj-ea"/>
+                <a:cs typeface="+mj-cs"/>
+              </a:rPr>
+              <a:t>Job Role Trends</a:t>
+            </a:r>
+          </a:p>
+        </p:txBody>
+      </p:sp>
+      <p:pic>
+        <p:nvPicPr>
+          <p:cNvPr id="6" name="Picture 5">
+            <a:extLst>
+              <a:ext uri="{FF2B5EF4-FFF2-40B4-BE49-F238E27FC236}">
+                <a16:creationId xmlns:a16="http://schemas.microsoft.com/office/drawing/2014/main" id="{468A6832-A614-D94B-9419-2942E504ACA7}"/>
+              </a:ext>
+            </a:extLst>
+          </p:cNvPr>
+          <p:cNvPicPr>
+            <a:picLocks noChangeAspect="1"/>
+          </p:cNvPicPr>
+          <p:nvPr/>
+        </p:nvPicPr>
+        <p:blipFill>
+          <a:blip r:embed="rId3"/>
+          <a:stretch>
+            <a:fillRect/>
+          </a:stretch>
+        </p:blipFill>
+        <p:spPr>
+          <a:xfrm>
+            <a:off x="6514708" y="1636363"/>
+            <a:ext cx="5559480" cy="1653945"/>
+          </a:xfrm>
+          <a:prstGeom prst="rect">
+            <a:avLst/>
+          </a:prstGeom>
+        </p:spPr>
+      </p:pic>
+      <p:pic>
+        <p:nvPicPr>
+          <p:cNvPr id="4" name="Content Placeholder 3">
+            <a:extLst>
+              <a:ext uri="{FF2B5EF4-FFF2-40B4-BE49-F238E27FC236}">
+                <a16:creationId xmlns:a16="http://schemas.microsoft.com/office/drawing/2014/main" id="{9033935E-10A5-D740-B491-E9499268A5F9}"/>
+              </a:ext>
+            </a:extLst>
+          </p:cNvPr>
+          <p:cNvPicPr>
+            <a:picLocks noChangeAspect="1"/>
+          </p:cNvPicPr>
+          <p:nvPr/>
+        </p:nvPicPr>
+        <p:blipFill>
+          <a:blip r:embed="rId4"/>
+          <a:stretch>
+            <a:fillRect/>
+          </a:stretch>
+        </p:blipFill>
+        <p:spPr>
+          <a:xfrm>
+            <a:off x="306433" y="419101"/>
+            <a:ext cx="6208275" cy="3616320"/>
+          </a:xfrm>
+          <a:prstGeom prst="rect">
+            <a:avLst/>
+          </a:prstGeom>
+        </p:spPr>
+      </p:pic>
+      <p:cxnSp>
+        <p:nvCxnSpPr>
+          <p:cNvPr id="18" name="Straight Connector 17">
+            <a:extLst>
+              <a:ext uri="{FF2B5EF4-FFF2-40B4-BE49-F238E27FC236}">
+                <a16:creationId xmlns:a16="http://schemas.microsoft.com/office/drawing/2014/main" id="{DAE3ABC6-4042-4293-A7DF-F01181363B7E}"/>
+              </a:ext>
+              <a:ext uri="{C183D7F6-B498-43B3-948B-1728B52AA6E4}">
+                <adec:decorative xmlns:adec="http://schemas.microsoft.com/office/drawing/2017/decorative" val="1"/>
+              </a:ext>
+            </a:extLst>
+          </p:cNvPr>
+          <p:cNvCxnSpPr>
+            <a:cxnSpLocks noGrp="1" noRot="1" noChangeAspect="1" noMove="1" noResize="1" noEditPoints="1" noAdjustHandles="1" noChangeArrowheads="1" noChangeShapeType="1"/>
+          </p:cNvCxnSpPr>
+          <p:nvPr>
+            <p:extLst>
+              <p:ext uri="{386F3935-93C4-4BCD-93E2-E3B085C9AB24}">
+                <p16:designElem xmlns:p16="http://schemas.microsoft.com/office/powerpoint/2015/main" val="1"/>
+              </p:ext>
+            </p:extLst>
+          </p:nvPr>
+        </p:nvCxnSpPr>
+        <p:spPr>
+          <a:xfrm flipV="1">
+            <a:off x="4739873" y="4690076"/>
+            <a:ext cx="0" cy="1371600"/>
+          </a:xfrm>
+          <a:prstGeom prst="line">
+            <a:avLst/>
+          </a:prstGeom>
+          <a:ln w="19050">
+            <a:solidFill>
+              <a:schemeClr val="bg1">
+                <a:alpha val="75000"/>
+              </a:schemeClr>
+            </a:solidFill>
+          </a:ln>
+        </p:spPr>
+        <p:style>
+          <a:lnRef idx="1">
+            <a:schemeClr val="accent1"/>
+          </a:lnRef>
+          <a:fillRef idx="0">
+            <a:schemeClr val="accent1"/>
+          </a:fillRef>
+          <a:effectRef idx="0">
+            <a:schemeClr val="accent1"/>
+          </a:effectRef>
+          <a:fontRef idx="minor">
+            <a:schemeClr val="tx1"/>
+          </a:fontRef>
+        </p:style>
+      </p:cxnSp>
+      <p:sp>
+        <p:nvSpPr>
+          <p:cNvPr id="13" name="Content Placeholder 12">
+            <a:extLst>
+              <a:ext uri="{FF2B5EF4-FFF2-40B4-BE49-F238E27FC236}">
+                <a16:creationId xmlns:a16="http://schemas.microsoft.com/office/drawing/2014/main" id="{EBB47842-869C-4DC9-95B1-2BD17E8318E9}"/>
+              </a:ext>
+            </a:extLst>
+          </p:cNvPr>
+          <p:cNvSpPr>
+            <a:spLocks noGrp="1"/>
+          </p:cNvSpPr>
+          <p:nvPr>
+            <p:ph idx="1"/>
+          </p:nvPr>
+        </p:nvSpPr>
+        <p:spPr>
+          <a:xfrm>
+            <a:off x="4945336" y="4615840"/>
+            <a:ext cx="6609921" cy="1526741"/>
+          </a:xfrm>
+        </p:spPr>
+        <p:txBody>
+          <a:bodyPr anchor="ctr">
+            <a:normAutofit fontScale="55000" lnSpcReduction="20000"/>
+          </a:bodyPr>
+          <a:lstStyle/>
+          <a:p>
+            <a:r>
+              <a:rPr lang="en-US" sz="2200" dirty="0">
+                <a:solidFill>
+                  <a:schemeClr val="bg1"/>
+                </a:solidFill>
+              </a:rPr>
+              <a:t>Sales Representatives have the lowest mean monthly income (2653), lowest mean education level (2.45) and are the least experienced employees with a mean of 2.9 years with the company.</a:t>
+            </a:r>
+          </a:p>
+          <a:p>
+            <a:r>
+              <a:rPr lang="en-US" sz="2200" dirty="0">
+                <a:solidFill>
+                  <a:schemeClr val="bg1"/>
+                </a:solidFill>
+              </a:rPr>
+              <a:t>Mangers and Research Directors have the highest mean monthly incomes (17197 and 15750 respectively) and are the most experienced employees with 13.8 and 10.2 years with the company.</a:t>
+            </a:r>
+          </a:p>
+          <a:p>
+            <a:r>
+              <a:rPr lang="en-US" sz="2200" dirty="0">
+                <a:solidFill>
+                  <a:schemeClr val="bg1"/>
+                </a:solidFill>
+              </a:rPr>
+              <a:t>Healthcare Representatives have the highest mean job satisfaction score (2.83), even with the highest mean distance from home (9.8).</a:t>
+            </a:r>
+          </a:p>
+        </p:txBody>
+      </p:sp>
+    </p:spTree>
+    <p:extLst>
+      <p:ext uri="{BB962C8B-B14F-4D97-AF65-F5344CB8AC3E}">
+        <p14:creationId xmlns:p14="http://schemas.microsoft.com/office/powerpoint/2010/main" val="1887518620"/>
+      </p:ext>
+    </p:extLst>
+  </p:cSld>
+  <p:clrMapOvr>
+    <a:masterClrMapping/>
+  </p:clrMapOvr>
+</p:sld>
+</file>
+
+<file path=ppt/slides/slide5.xml><?xml version="1.0" encoding="utf-8"?>
+<p:sld xmlns:a="http://schemas.openxmlformats.org/drawingml/2006/main" xmlns:r="http://schemas.openxmlformats.org/officeDocument/2006/relationships" xmlns:p="http://schemas.openxmlformats.org/presentationml/2006/main">
+  <p:cSld>
+    <p:bg>
+      <p:bgPr>
+        <a:solidFill>
+          <a:schemeClr val="bg1"/>
+        </a:solidFill>
+        <a:effectLst/>
+      </p:bgPr>
+    </p:bg>
+    <p:spTree>
+      <p:nvGrpSpPr>
+        <p:cNvPr id="1" name=""/>
+        <p:cNvGrpSpPr/>
+        <p:nvPr/>
+      </p:nvGrpSpPr>
+      <p:grpSpPr>
+        <a:xfrm>
+          <a:off x="0" y="0"/>
+          <a:ext cx="0" cy="0"/>
+          <a:chOff x="0" y="0"/>
+          <a:chExt cx="0" cy="0"/>
+        </a:xfrm>
+      </p:grpSpPr>
+      <p:sp>
+        <p:nvSpPr>
+          <p:cNvPr id="13" name="Down Arrow 7">
+            <a:extLst>
+              <a:ext uri="{FF2B5EF4-FFF2-40B4-BE49-F238E27FC236}">
+                <a16:creationId xmlns:a16="http://schemas.microsoft.com/office/drawing/2014/main" id="{73DE2CFE-42F2-48F0-8706-5264E012B10C}"/>
+              </a:ext>
+              <a:ext uri="{C183D7F6-B498-43B3-948B-1728B52AA6E4}">
+                <adec:decorative xmlns:adec="http://schemas.microsoft.com/office/drawing/2017/decorative" val="1"/>
+              </a:ext>
+            </a:extLst>
+          </p:cNvPr>
+          <p:cNvSpPr>
+            <a:spLocks noGrp="1" noRot="1" noChangeAspect="1" noMove="1" noResize="1" noEditPoints="1" noAdjustHandles="1" noChangeArrowheads="1" noChangeShapeType="1" noTextEdit="1"/>
+          </p:cNvSpPr>
+          <p:nvPr>
+            <p:extLst>
+              <p:ext uri="{386F3935-93C4-4BCD-93E2-E3B085C9AB24}">
+                <p16:designElem xmlns:p16="http://schemas.microsoft.com/office/powerpoint/2015/main" val="1"/>
+              </p:ext>
+            </p:extLst>
+          </p:nvPr>
+        </p:nvSpPr>
+        <p:spPr>
+          <a:xfrm rot="16200000">
+            <a:off x="1288521" y="381403"/>
+            <a:ext cx="2200313" cy="3342508"/>
+          </a:xfrm>
+          <a:prstGeom prst="downArrow">
+            <a:avLst>
+              <a:gd name="adj1" fmla="val 100000"/>
+              <a:gd name="adj2" fmla="val 15788"/>
+            </a:avLst>
+          </a:prstGeom>
+          <a:solidFill>
+            <a:srgbClr val="404040"/>
+          </a:solidFill>
+          <a:ln w="53975">
+            <a:noFill/>
+          </a:ln>
+        </p:spPr>
+        <p:style>
+          <a:lnRef idx="2">
+            <a:schemeClr val="accent1">
+              <a:shade val="50000"/>
+            </a:schemeClr>
+          </a:lnRef>
+          <a:fillRef idx="1">
+            <a:schemeClr val="accent1"/>
+          </a:fillRef>
+          <a:effectRef idx="0">
+            <a:schemeClr val="accent1"/>
+          </a:effectRef>
+          <a:fontRef idx="minor">
+            <a:schemeClr val="lt1"/>
+          </a:fontRef>
+        </p:style>
+        <p:txBody>
+          <a:bodyPr rtlCol="0" anchor="ctr"/>
+          <a:lstStyle/>
+          <a:p>
+            <a:pPr marL="0" marR="0" lvl="0" indent="0" algn="ctr" defTabSz="914400" rtl="0" eaLnBrk="1" fontAlgn="auto" latinLnBrk="0" hangingPunct="1">
+              <a:lnSpc>
+                <a:spcPct val="100000"/>
+              </a:lnSpc>
+              <a:spcBef>
+                <a:spcPts val="0"/>
+              </a:spcBef>
+              <a:spcAft>
+                <a:spcPts val="0"/>
+              </a:spcAft>
+              <a:buClrTx/>
+              <a:buSzTx/>
+              <a:buFontTx/>
+              <a:buNone/>
+              <a:tabLst/>
+              <a:defRPr/>
+            </a:pPr>
+            <a:endParaRPr kumimoji="0" lang="en-US" sz="1800" b="0" i="0" u="none" strike="noStrike" kern="1200" cap="none" spc="0" normalizeH="0" baseline="0" noProof="0">
+              <a:ln>
+                <a:noFill/>
+              </a:ln>
+              <a:solidFill>
+                <a:prstClr val="white"/>
+              </a:solidFill>
+              <a:effectLst/>
+              <a:uLnTx/>
+              <a:uFillTx/>
+              <a:latin typeface="Calibri" panose="020F0502020204030204"/>
+              <a:ea typeface="+mn-ea"/>
+              <a:cs typeface="+mn-cs"/>
+            </a:endParaRPr>
+          </a:p>
+        </p:txBody>
+      </p:sp>
+      <p:sp>
+        <p:nvSpPr>
+          <p:cNvPr id="2" name="Title 1">
+            <a:extLst>
+              <a:ext uri="{FF2B5EF4-FFF2-40B4-BE49-F238E27FC236}">
+                <a16:creationId xmlns:a16="http://schemas.microsoft.com/office/drawing/2014/main" id="{B16DE02F-C656-7D4B-BF38-60B5EC9B7110}"/>
+              </a:ext>
+            </a:extLst>
+          </p:cNvPr>
+          <p:cNvSpPr>
+            <a:spLocks noGrp="1"/>
+          </p:cNvSpPr>
+          <p:nvPr>
+            <p:ph type="title"/>
+          </p:nvPr>
+        </p:nvSpPr>
+        <p:spPr>
+          <a:xfrm>
+            <a:off x="966952" y="1204108"/>
+            <a:ext cx="2669406" cy="1781175"/>
+          </a:xfrm>
+        </p:spPr>
+        <p:txBody>
+          <a:bodyPr>
+            <a:normAutofit/>
+          </a:bodyPr>
+          <a:lstStyle/>
+          <a:p>
+            <a:r>
+              <a:rPr lang="en-US" sz="3200">
+                <a:solidFill>
+                  <a:srgbClr val="FFFFFF"/>
+                </a:solidFill>
+              </a:rPr>
+              <a:t>Additional Insight</a:t>
+            </a:r>
+          </a:p>
+        </p:txBody>
+      </p:sp>
+      <p:sp>
+        <p:nvSpPr>
+          <p:cNvPr id="10" name="Content Placeholder 9">
+            <a:extLst>
+              <a:ext uri="{FF2B5EF4-FFF2-40B4-BE49-F238E27FC236}">
+                <a16:creationId xmlns:a16="http://schemas.microsoft.com/office/drawing/2014/main" id="{4A865818-B91A-463D-B645-DB13FEF2FCB1}"/>
+              </a:ext>
+            </a:extLst>
+          </p:cNvPr>
+          <p:cNvSpPr>
+            <a:spLocks noGrp="1"/>
+          </p:cNvSpPr>
+          <p:nvPr>
+            <p:ph idx="1"/>
+          </p:nvPr>
+        </p:nvSpPr>
+        <p:spPr>
+          <a:xfrm>
+            <a:off x="966951" y="3355130"/>
+            <a:ext cx="2669407" cy="2427333"/>
+          </a:xfrm>
+        </p:spPr>
+        <p:txBody>
+          <a:bodyPr>
+            <a:normAutofit/>
+          </a:bodyPr>
+          <a:lstStyle/>
+          <a:p>
+            <a:r>
+              <a:rPr lang="en-US" sz="1600" dirty="0"/>
+              <a:t>Job satisfaction did not appear have significant impact on attrition. </a:t>
+            </a:r>
+          </a:p>
+          <a:p>
+            <a:r>
+              <a:rPr lang="en-US" sz="1600" dirty="0"/>
+              <a:t>Managers and Directors saw very little attrition regardless of satisfaction score. </a:t>
+            </a:r>
+          </a:p>
+          <a:p>
+            <a:r>
+              <a:rPr lang="en-US" sz="1600" dirty="0"/>
+              <a:t>Increase wages to decrease attrition.</a:t>
+            </a:r>
+          </a:p>
+        </p:txBody>
+      </p:sp>
+      <p:pic>
+        <p:nvPicPr>
+          <p:cNvPr id="6" name="Content Placeholder 5">
+            <a:extLst>
+              <a:ext uri="{FF2B5EF4-FFF2-40B4-BE49-F238E27FC236}">
+                <a16:creationId xmlns:a16="http://schemas.microsoft.com/office/drawing/2014/main" id="{05E3FBCB-9787-004B-B9B7-C8C42A43845B}"/>
+              </a:ext>
+            </a:extLst>
+          </p:cNvPr>
+          <p:cNvPicPr>
+            <a:picLocks noChangeAspect="1"/>
+          </p:cNvPicPr>
+          <p:nvPr/>
+        </p:nvPicPr>
+        <p:blipFill>
+          <a:blip r:embed="rId2"/>
+          <a:stretch>
+            <a:fillRect/>
+          </a:stretch>
+        </p:blipFill>
+        <p:spPr>
+          <a:xfrm>
+            <a:off x="4915312" y="952500"/>
+            <a:ext cx="6397302" cy="4829963"/>
+          </a:xfrm>
+          <a:prstGeom prst="rect">
+            <a:avLst/>
+          </a:prstGeom>
+        </p:spPr>
+      </p:pic>
+    </p:spTree>
+    <p:extLst>
+      <p:ext uri="{BB962C8B-B14F-4D97-AF65-F5344CB8AC3E}">
+        <p14:creationId xmlns:p14="http://schemas.microsoft.com/office/powerpoint/2010/main" val="4109771278"/>
+      </p:ext>
+    </p:extLst>
+  </p:cSld>
+  <p:clrMapOvr>
+    <a:masterClrMapping/>
+  </p:clrMapOvr>
+</p:sld>
+</file>
+
+<file path=ppt/slides/slide6.xml><?xml version="1.0" encoding="utf-8"?>
+<p:sld xmlns:a="http://schemas.openxmlformats.org/drawingml/2006/main" xmlns:r="http://schemas.openxmlformats.org/officeDocument/2006/relationships" xmlns:p="http://schemas.openxmlformats.org/presentationml/2006/main">
+  <p:cSld>
+    <p:bg>
+      <p:bgPr>
+        <a:solidFill>
+          <a:schemeClr val="bg1"/>
+        </a:solidFill>
+        <a:effectLst/>
+      </p:bgPr>
+    </p:bg>
+    <p:spTree>
+      <p:nvGrpSpPr>
+        <p:cNvPr id="1" name=""/>
+        <p:cNvGrpSpPr/>
+        <p:nvPr/>
+      </p:nvGrpSpPr>
+      <p:grpSpPr>
+        <a:xfrm>
+          <a:off x="0" y="0"/>
+          <a:ext cx="0" cy="0"/>
+          <a:chOff x="0" y="0"/>
+          <a:chExt cx="0" cy="0"/>
+        </a:xfrm>
+      </p:grpSpPr>
+      <p:sp>
+        <p:nvSpPr>
+          <p:cNvPr id="17" name="Down Arrow 7">
+            <a:extLst>
+              <a:ext uri="{FF2B5EF4-FFF2-40B4-BE49-F238E27FC236}">
+                <a16:creationId xmlns:a16="http://schemas.microsoft.com/office/drawing/2014/main" id="{73DE2CFE-42F2-48F0-8706-5264E012B10C}"/>
+              </a:ext>
+              <a:ext uri="{C183D7F6-B498-43B3-948B-1728B52AA6E4}">
+                <adec:decorative xmlns:adec="http://schemas.microsoft.com/office/drawing/2017/decorative" val="1"/>
+              </a:ext>
+            </a:extLst>
+          </p:cNvPr>
+          <p:cNvSpPr>
+            <a:spLocks noGrp="1" noRot="1" noChangeAspect="1" noMove="1" noResize="1" noEditPoints="1" noAdjustHandles="1" noChangeArrowheads="1" noChangeShapeType="1" noTextEdit="1"/>
+          </p:cNvSpPr>
+          <p:nvPr>
+            <p:extLst>
+              <p:ext uri="{386F3935-93C4-4BCD-93E2-E3B085C9AB24}">
+                <p16:designElem xmlns:p16="http://schemas.microsoft.com/office/powerpoint/2015/main" val="1"/>
+              </p:ext>
+            </p:extLst>
+          </p:nvPr>
+        </p:nvSpPr>
+        <p:spPr>
+          <a:xfrm rot="16200000">
+            <a:off x="1288521" y="381403"/>
+            <a:ext cx="2200313" cy="3342508"/>
+          </a:xfrm>
+          <a:prstGeom prst="downArrow">
+            <a:avLst>
+              <a:gd name="adj1" fmla="val 100000"/>
+              <a:gd name="adj2" fmla="val 15788"/>
+            </a:avLst>
+          </a:prstGeom>
+          <a:solidFill>
+            <a:srgbClr val="404040"/>
+          </a:solidFill>
+          <a:ln w="53975">
+            <a:noFill/>
+          </a:ln>
+        </p:spPr>
+        <p:style>
+          <a:lnRef idx="2">
+            <a:schemeClr val="accent1">
+              <a:shade val="50000"/>
+            </a:schemeClr>
+          </a:lnRef>
+          <a:fillRef idx="1">
+            <a:schemeClr val="accent1"/>
+          </a:fillRef>
+          <a:effectRef idx="0">
+            <a:schemeClr val="accent1"/>
+          </a:effectRef>
+          <a:fontRef idx="minor">
+            <a:schemeClr val="lt1"/>
+          </a:fontRef>
+        </p:style>
+        <p:txBody>
+          <a:bodyPr rtlCol="0" anchor="ctr"/>
+          <a:lstStyle/>
+          <a:p>
+            <a:pPr marL="0" marR="0" lvl="0" indent="0" algn="ctr" defTabSz="914400" rtl="0" eaLnBrk="1" fontAlgn="auto" latinLnBrk="0" hangingPunct="1">
+              <a:lnSpc>
+                <a:spcPct val="100000"/>
+              </a:lnSpc>
+              <a:spcBef>
+                <a:spcPts val="0"/>
+              </a:spcBef>
+              <a:spcAft>
+                <a:spcPts val="0"/>
+              </a:spcAft>
+              <a:buClrTx/>
+              <a:buSzTx/>
+              <a:buFontTx/>
+              <a:buNone/>
+              <a:tabLst/>
+              <a:defRPr/>
+            </a:pPr>
+            <a:endParaRPr kumimoji="0" lang="en-US" sz="1800" b="0" i="0" u="none" strike="noStrike" kern="1200" cap="none" spc="0" normalizeH="0" baseline="0" noProof="0">
+              <a:ln>
+                <a:noFill/>
+              </a:ln>
+              <a:solidFill>
+                <a:prstClr val="white"/>
+              </a:solidFill>
+              <a:effectLst/>
+              <a:uLnTx/>
+              <a:uFillTx/>
+              <a:latin typeface="Calibri" panose="020F0502020204030204"/>
+              <a:ea typeface="+mn-ea"/>
+              <a:cs typeface="+mn-cs"/>
+            </a:endParaRPr>
+          </a:p>
+        </p:txBody>
+      </p:sp>
+      <p:sp>
+        <p:nvSpPr>
+          <p:cNvPr id="2" name="Title 1">
+            <a:extLst>
+              <a:ext uri="{FF2B5EF4-FFF2-40B4-BE49-F238E27FC236}">
+                <a16:creationId xmlns:a16="http://schemas.microsoft.com/office/drawing/2014/main" id="{F0088736-6375-BA42-BC32-59C53FE994D3}"/>
+              </a:ext>
+            </a:extLst>
+          </p:cNvPr>
+          <p:cNvSpPr>
+            <a:spLocks noGrp="1"/>
+          </p:cNvSpPr>
+          <p:nvPr>
+            <p:ph type="title"/>
+          </p:nvPr>
+        </p:nvSpPr>
+        <p:spPr>
+          <a:xfrm>
+            <a:off x="966952" y="1204108"/>
+            <a:ext cx="2669406" cy="1781175"/>
+          </a:xfrm>
+        </p:spPr>
+        <p:txBody>
+          <a:bodyPr>
+            <a:normAutofit/>
+          </a:bodyPr>
+          <a:lstStyle/>
+          <a:p>
+            <a:r>
+              <a:rPr lang="en-US" sz="3200" dirty="0">
+                <a:solidFill>
+                  <a:srgbClr val="FFFFFF"/>
+                </a:solidFill>
+              </a:rPr>
+              <a:t>Attrition Classification Model</a:t>
+            </a:r>
+          </a:p>
+        </p:txBody>
+      </p:sp>
+      <p:sp>
+        <p:nvSpPr>
+          <p:cNvPr id="9" name="Content Placeholder 8">
+            <a:extLst>
+              <a:ext uri="{FF2B5EF4-FFF2-40B4-BE49-F238E27FC236}">
+                <a16:creationId xmlns:a16="http://schemas.microsoft.com/office/drawing/2014/main" id="{52E2B8D5-49E6-433A-A82A-78A5A3633931}"/>
+              </a:ext>
+            </a:extLst>
+          </p:cNvPr>
+          <p:cNvSpPr>
+            <a:spLocks noGrp="1"/>
+          </p:cNvSpPr>
+          <p:nvPr>
+            <p:ph idx="1"/>
+          </p:nvPr>
+        </p:nvSpPr>
+        <p:spPr>
+          <a:xfrm>
+            <a:off x="966951" y="3355130"/>
+            <a:ext cx="2669407" cy="2427333"/>
+          </a:xfrm>
+        </p:spPr>
+        <p:txBody>
+          <a:bodyPr>
+            <a:normAutofit/>
+          </a:bodyPr>
+          <a:lstStyle/>
+          <a:p>
+            <a:r>
+              <a:rPr lang="en-US" sz="1600" dirty="0"/>
+              <a:t>KNN Model Results: </a:t>
+            </a:r>
+          </a:p>
+          <a:p>
+            <a:pPr lvl="1"/>
+            <a:r>
+              <a:rPr lang="en-US" sz="1400" dirty="0"/>
+              <a:t>Accuracy = 78%</a:t>
+            </a:r>
+          </a:p>
+          <a:p>
+            <a:pPr lvl="1"/>
+            <a:r>
+              <a:rPr lang="en-US" sz="1400" dirty="0"/>
+              <a:t>Sensitivity = 91%</a:t>
+            </a:r>
+          </a:p>
+          <a:p>
+            <a:pPr lvl="1"/>
+            <a:r>
+              <a:rPr lang="en-US" sz="1400" dirty="0"/>
+              <a:t>Specificity = 7%</a:t>
+            </a:r>
+          </a:p>
+          <a:p>
+            <a:r>
+              <a:rPr lang="en-US" sz="1600" dirty="0"/>
+              <a:t>Naive Bayes model provided required metric scores and so can be used as the Attrition classification model.</a:t>
+            </a:r>
+          </a:p>
+          <a:p>
+            <a:endParaRPr lang="en-US" sz="1600" dirty="0"/>
+          </a:p>
+        </p:txBody>
+      </p:sp>
+      <p:pic>
+        <p:nvPicPr>
+          <p:cNvPr id="5" name="Content Placeholder 4">
+            <a:extLst>
+              <a:ext uri="{FF2B5EF4-FFF2-40B4-BE49-F238E27FC236}">
+                <a16:creationId xmlns:a16="http://schemas.microsoft.com/office/drawing/2014/main" id="{866C9C5C-A382-ED43-AECE-50EC7CEE7FE6}"/>
+              </a:ext>
+            </a:extLst>
+          </p:cNvPr>
+          <p:cNvPicPr>
+            <a:picLocks noChangeAspect="1"/>
+          </p:cNvPicPr>
+          <p:nvPr/>
+        </p:nvPicPr>
+        <p:blipFill>
+          <a:blip r:embed="rId2"/>
+          <a:stretch>
+            <a:fillRect/>
+          </a:stretch>
+        </p:blipFill>
+        <p:spPr>
+          <a:xfrm>
+            <a:off x="6096000" y="1104900"/>
+            <a:ext cx="3423771" cy="4829963"/>
+          </a:xfrm>
+          <a:prstGeom prst="rect">
+            <a:avLst/>
+          </a:prstGeom>
+        </p:spPr>
+      </p:pic>
+    </p:spTree>
+    <p:extLst>
+      <p:ext uri="{BB962C8B-B14F-4D97-AF65-F5344CB8AC3E}">
+        <p14:creationId xmlns:p14="http://schemas.microsoft.com/office/powerpoint/2010/main" val="3131294131"/>
+      </p:ext>
+    </p:extLst>
+  </p:cSld>
+  <p:clrMapOvr>
+    <a:masterClrMapping/>
+  </p:clrMapOvr>
+</p:sld>
+</file>
+
+<file path=ppt/slides/slide7.xml><?xml version="1.0" encoding="utf-8"?>
+<p:sld xmlns:a="http://schemas.openxmlformats.org/drawingml/2006/main" xmlns:r="http://schemas.openxmlformats.org/officeDocument/2006/relationships" xmlns:p="http://schemas.openxmlformats.org/presentationml/2006/main">
+  <p:cSld>
+    <p:bg>
+      <p:bgPr>
+        <a:solidFill>
+          <a:schemeClr val="bg1"/>
+        </a:solidFill>
+        <a:effectLst/>
+      </p:bgPr>
+    </p:bg>
+    <p:spTree>
+      <p:nvGrpSpPr>
+        <p:cNvPr id="1" name=""/>
+        <p:cNvGrpSpPr/>
+        <p:nvPr/>
+      </p:nvGrpSpPr>
+      <p:grpSpPr>
+        <a:xfrm>
+          <a:off x="0" y="0"/>
+          <a:ext cx="0" cy="0"/>
+          <a:chOff x="0" y="0"/>
+          <a:chExt cx="0" cy="0"/>
+        </a:xfrm>
+      </p:grpSpPr>
+      <p:sp>
+        <p:nvSpPr>
+          <p:cNvPr id="12" name="Down Arrow 7">
+            <a:extLst>
+              <a:ext uri="{FF2B5EF4-FFF2-40B4-BE49-F238E27FC236}">
+                <a16:creationId xmlns:a16="http://schemas.microsoft.com/office/drawing/2014/main" id="{73DE2CFE-42F2-48F0-8706-5264E012B10C}"/>
+              </a:ext>
+              <a:ext uri="{C183D7F6-B498-43B3-948B-1728B52AA6E4}">
+                <adec:decorative xmlns:adec="http://schemas.microsoft.com/office/drawing/2017/decorative" val="1"/>
+              </a:ext>
+            </a:extLst>
+          </p:cNvPr>
+          <p:cNvSpPr>
+            <a:spLocks noGrp="1" noRot="1" noChangeAspect="1" noMove="1" noResize="1" noEditPoints="1" noAdjustHandles="1" noChangeArrowheads="1" noChangeShapeType="1" noTextEdit="1"/>
+          </p:cNvSpPr>
+          <p:nvPr>
+            <p:extLst>
+              <p:ext uri="{386F3935-93C4-4BCD-93E2-E3B085C9AB24}">
+                <p16:designElem xmlns:p16="http://schemas.microsoft.com/office/powerpoint/2015/main" val="1"/>
+              </p:ext>
+            </p:extLst>
+          </p:nvPr>
+        </p:nvSpPr>
+        <p:spPr>
+          <a:xfrm rot="16200000">
+            <a:off x="5662795" y="-3745097"/>
+            <a:ext cx="1354979" cy="10750169"/>
+          </a:xfrm>
+          <a:prstGeom prst="downArrow">
+            <a:avLst>
+              <a:gd name="adj1" fmla="val 100000"/>
+              <a:gd name="adj2" fmla="val 22582"/>
+            </a:avLst>
+          </a:prstGeom>
+          <a:solidFill>
+            <a:srgbClr val="404040"/>
+          </a:solidFill>
+          <a:ln w="53975">
+            <a:noFill/>
+          </a:ln>
+        </p:spPr>
+        <p:style>
+          <a:lnRef idx="2">
+            <a:schemeClr val="accent1">
+              <a:shade val="50000"/>
+            </a:schemeClr>
+          </a:lnRef>
+          <a:fillRef idx="1">
+            <a:schemeClr val="accent1"/>
+          </a:fillRef>
+          <a:effectRef idx="0">
+            <a:schemeClr val="accent1"/>
+          </a:effectRef>
+          <a:fontRef idx="minor">
+            <a:schemeClr val="lt1"/>
+          </a:fontRef>
+        </p:style>
+        <p:txBody>
+          <a:bodyPr rtlCol="0" anchor="ctr"/>
+          <a:lstStyle/>
+          <a:p>
+            <a:pPr marL="0" marR="0" lvl="0" indent="0" algn="ctr" defTabSz="914400" rtl="0" eaLnBrk="1" fontAlgn="auto" latinLnBrk="0" hangingPunct="1">
+              <a:lnSpc>
+                <a:spcPct val="100000"/>
+              </a:lnSpc>
+              <a:spcBef>
+                <a:spcPts val="0"/>
+              </a:spcBef>
+              <a:spcAft>
+                <a:spcPts val="0"/>
+              </a:spcAft>
+              <a:buClrTx/>
+              <a:buSzTx/>
+              <a:buFontTx/>
+              <a:buNone/>
+              <a:tabLst/>
+              <a:defRPr/>
+            </a:pPr>
+            <a:endParaRPr kumimoji="0" lang="en-US" sz="1800" b="0" i="0" u="none" strike="noStrike" kern="1200" cap="none" spc="0" normalizeH="0" baseline="0" noProof="0">
+              <a:ln>
+                <a:noFill/>
+              </a:ln>
+              <a:solidFill>
+                <a:prstClr val="white"/>
+              </a:solidFill>
+              <a:effectLst/>
+              <a:uLnTx/>
+              <a:uFillTx/>
+              <a:latin typeface="Calibri" panose="020F0502020204030204"/>
+              <a:ea typeface="+mn-ea"/>
+              <a:cs typeface="+mn-cs"/>
+            </a:endParaRPr>
+          </a:p>
+        </p:txBody>
+      </p:sp>
+      <p:sp>
+        <p:nvSpPr>
+          <p:cNvPr id="2" name="Title 1">
+            <a:extLst>
+              <a:ext uri="{FF2B5EF4-FFF2-40B4-BE49-F238E27FC236}">
+                <a16:creationId xmlns:a16="http://schemas.microsoft.com/office/drawing/2014/main" id="{6B0328ED-9B9F-1446-98EE-53714DAC7F89}"/>
+              </a:ext>
+            </a:extLst>
+          </p:cNvPr>
+          <p:cNvSpPr>
+            <a:spLocks noGrp="1"/>
+          </p:cNvSpPr>
+          <p:nvPr>
+            <p:ph type="title"/>
+          </p:nvPr>
+        </p:nvSpPr>
+        <p:spPr>
+          <a:xfrm>
+            <a:off x="1286932" y="1204109"/>
+            <a:ext cx="10023398" cy="857894"/>
+          </a:xfrm>
+        </p:spPr>
+        <p:txBody>
+          <a:bodyPr>
+            <a:normAutofit/>
+          </a:bodyPr>
+          <a:lstStyle/>
+          <a:p>
+            <a:r>
+              <a:rPr lang="en-US" sz="4000">
+                <a:solidFill>
+                  <a:srgbClr val="FFFFFF"/>
+                </a:solidFill>
+              </a:rPr>
+              <a:t>Monthly Income Regression Model</a:t>
+            </a:r>
+          </a:p>
+        </p:txBody>
+      </p:sp>
+      <p:sp>
+        <p:nvSpPr>
+          <p:cNvPr id="9" name="Content Placeholder 8">
+            <a:extLst>
+              <a:ext uri="{FF2B5EF4-FFF2-40B4-BE49-F238E27FC236}">
+                <a16:creationId xmlns:a16="http://schemas.microsoft.com/office/drawing/2014/main" id="{284A8756-CF89-433D-A5FE-F986E77FD236}"/>
+              </a:ext>
+            </a:extLst>
+          </p:cNvPr>
+          <p:cNvSpPr>
+            <a:spLocks noGrp="1"/>
+          </p:cNvSpPr>
+          <p:nvPr>
+            <p:ph idx="1"/>
+          </p:nvPr>
+        </p:nvSpPr>
+        <p:spPr>
+          <a:xfrm>
+            <a:off x="1286931" y="2962451"/>
+            <a:ext cx="2779954" cy="2820012"/>
+          </a:xfrm>
+        </p:spPr>
+        <p:txBody>
+          <a:bodyPr>
+            <a:normAutofit/>
+          </a:bodyPr>
+          <a:lstStyle/>
+          <a:p>
+            <a:r>
+              <a:rPr lang="en-US" sz="1600" dirty="0"/>
+              <a:t>RMSE = 1327.05</a:t>
+            </a:r>
+          </a:p>
+          <a:p>
+            <a:r>
+              <a:rPr lang="en-US" sz="1600" dirty="0"/>
+              <a:t>Variables to considered were selected after reviewing data during EDA. </a:t>
+            </a:r>
+          </a:p>
+          <a:p>
+            <a:r>
+              <a:rPr lang="en-US" sz="1600" dirty="0"/>
+              <a:t>Job Level seems to hold the most significance when predicting monthly income (p-value = &lt;2e-16).</a:t>
+            </a:r>
+          </a:p>
+        </p:txBody>
+      </p:sp>
+      <p:pic>
+        <p:nvPicPr>
+          <p:cNvPr id="5" name="Content Placeholder 4">
+            <a:extLst>
+              <a:ext uri="{FF2B5EF4-FFF2-40B4-BE49-F238E27FC236}">
+                <a16:creationId xmlns:a16="http://schemas.microsoft.com/office/drawing/2014/main" id="{6F24B8FE-533B-E248-8F3E-E1D9FAFC6A61}"/>
+              </a:ext>
+            </a:extLst>
+          </p:cNvPr>
+          <p:cNvPicPr>
+            <a:picLocks noChangeAspect="1"/>
+          </p:cNvPicPr>
+          <p:nvPr/>
+        </p:nvPicPr>
+        <p:blipFill>
+          <a:blip r:embed="rId2"/>
+          <a:stretch>
+            <a:fillRect/>
+          </a:stretch>
+        </p:blipFill>
+        <p:spPr>
+          <a:xfrm>
+            <a:off x="5993658" y="2962451"/>
+            <a:ext cx="4028588" cy="2820012"/>
+          </a:xfrm>
+          <a:prstGeom prst="rect">
+            <a:avLst/>
+          </a:prstGeom>
+        </p:spPr>
+      </p:pic>
+    </p:spTree>
+    <p:extLst>
+      <p:ext uri="{BB962C8B-B14F-4D97-AF65-F5344CB8AC3E}">
+        <p14:creationId xmlns:p14="http://schemas.microsoft.com/office/powerpoint/2010/main" val="462704804"/>
       </p:ext>
     </p:extLst>
   </p:cSld>
@@ -3683,4 +5876,47 @@
     </a:ext>
   </a:extLst>
 </a:theme>
+</file>
+
+<file path=ppt/theme/themeOverride1.xml><?xml version="1.0" encoding="utf-8"?>
+<a:themeOverride xmlns:a="http://schemas.openxmlformats.org/drawingml/2006/main">
+  <a:clrScheme name="Office">
+    <a:dk1>
+      <a:sysClr val="windowText" lastClr="000000"/>
+    </a:dk1>
+    <a:lt1>
+      <a:sysClr val="window" lastClr="FFFFFF"/>
+    </a:lt1>
+    <a:dk2>
+      <a:srgbClr val="44546A"/>
+    </a:dk2>
+    <a:lt2>
+      <a:srgbClr val="E7E6E6"/>
+    </a:lt2>
+    <a:accent1>
+      <a:srgbClr val="4472C4"/>
+    </a:accent1>
+    <a:accent2>
+      <a:srgbClr val="ED7D31"/>
+    </a:accent2>
+    <a:accent3>
+      <a:srgbClr val="A5A5A5"/>
+    </a:accent3>
+    <a:accent4>
+      <a:srgbClr val="FFC000"/>
+    </a:accent4>
+    <a:accent5>
+      <a:srgbClr val="5B9BD5"/>
+    </a:accent5>
+    <a:accent6>
+      <a:srgbClr val="70AD47"/>
+    </a:accent6>
+    <a:hlink>
+      <a:srgbClr val="0563C1"/>
+    </a:hlink>
+    <a:folHlink>
+      <a:srgbClr val="954F72"/>
+    </a:folHlink>
+  </a:clrScheme>
+</a:themeOverride>
 </file>
--- a/Case-Study-2.pptx
+++ b/Case-Study-2.pptx
@@ -6,12 +6,14 @@
   </p:sldMasterIdLst>
   <p:sldIdLst>
     <p:sldId id="256" r:id="rId2"/>
-    <p:sldId id="257" r:id="rId3"/>
+    <p:sldId id="265" r:id="rId3"/>
     <p:sldId id="258" r:id="rId4"/>
-    <p:sldId id="261" r:id="rId5"/>
-    <p:sldId id="262" r:id="rId6"/>
-    <p:sldId id="263" r:id="rId7"/>
-    <p:sldId id="264" r:id="rId8"/>
+    <p:sldId id="257" r:id="rId5"/>
+    <p:sldId id="261" r:id="rId6"/>
+    <p:sldId id="262" r:id="rId7"/>
+    <p:sldId id="263" r:id="rId8"/>
+    <p:sldId id="264" r:id="rId9"/>
+    <p:sldId id="266" r:id="rId10"/>
   </p:sldIdLst>
   <p:sldSz cx="12192000" cy="6858000"/>
   <p:notesSz cx="6858000" cy="9144000"/>
@@ -3746,6 +3748,14 @@
 <file path=ppt/slides/slide2.xml><?xml version="1.0" encoding="utf-8"?>
 <p:sld xmlns:a="http://schemas.openxmlformats.org/drawingml/2006/main" xmlns:r="http://schemas.openxmlformats.org/officeDocument/2006/relationships" xmlns:p="http://schemas.openxmlformats.org/presentationml/2006/main">
   <p:cSld>
+    <p:bg>
+      <p:bgPr>
+        <a:solidFill>
+          <a:schemeClr val="bg1"/>
+        </a:solidFill>
+        <a:effectLst/>
+      </p:bgPr>
+    </p:bg>
     <p:spTree>
       <p:nvGrpSpPr>
         <p:cNvPr id="1" name=""/>
@@ -3760,21 +3770,21 @@
           <a:chExt cx="0" cy="0"/>
         </a:xfrm>
       </p:grpSpPr>
-      <p:cxnSp>
-        <p:nvCxnSpPr>
-          <p:cNvPr id="192" name="Straight Connector 191">
-            <a:extLst>
-              <a:ext uri="{FF2B5EF4-FFF2-40B4-BE49-F238E27FC236}">
-                <a16:creationId xmlns:a16="http://schemas.microsoft.com/office/drawing/2014/main" id="{99AE2756-0FC4-4155-83E7-58AAAB63E757}"/>
+      <p:sp>
+        <p:nvSpPr>
+          <p:cNvPr id="15" name="Down Arrow 7">
+            <a:extLst>
+              <a:ext uri="{FF2B5EF4-FFF2-40B4-BE49-F238E27FC236}">
+                <a16:creationId xmlns:a16="http://schemas.microsoft.com/office/drawing/2014/main" id="{D4771268-CB57-404A-9271-370EB28F6090}"/>
               </a:ext>
               <a:ext uri="{C183D7F6-B498-43B3-948B-1728B52AA6E4}">
                 <adec:decorative xmlns:adec="http://schemas.microsoft.com/office/drawing/2017/decorative" val="1"/>
               </a:ext>
             </a:extLst>
           </p:cNvPr>
-          <p:cNvCxnSpPr>
-            <a:cxnSpLocks noGrp="1" noRot="1" noChangeAspect="1" noMove="1" noResize="1" noEditPoints="1" noAdjustHandles="1" noChangeArrowheads="1" noChangeShapeType="1"/>
-          </p:cNvCxnSpPr>
+          <p:cNvSpPr>
+            <a:spLocks noGrp="1" noRot="1" noChangeAspect="1" noMove="1" noResize="1" noEditPoints="1" noAdjustHandles="1" noChangeArrowheads="1" noChangeShapeType="1" noTextEdit="1"/>
+          </p:cNvSpPr>
           <p:nvPr>
             <p:extLst>
               <p:ext uri="{386F3935-93C4-4BCD-93E2-E3B085C9AB24}">
@@ -3782,74 +3792,23 @@
               </p:ext>
             </p:extLst>
           </p:nvPr>
-        </p:nvCxnSpPr>
+        </p:nvSpPr>
         <p:spPr>
-          <a:xfrm>
-            <a:off x="4065689" y="477749"/>
-            <a:ext cx="0" cy="3657600"/>
-          </a:xfrm>
-          <a:prstGeom prst="line">
-            <a:avLst/>
-          </a:prstGeom>
-          <a:ln w="101600" cmpd="dbl">
-            <a:solidFill>
-              <a:srgbClr val="595959"/>
-            </a:solidFill>
-          </a:ln>
-        </p:spPr>
-        <p:style>
-          <a:lnRef idx="1">
-            <a:schemeClr val="accent1"/>
-          </a:lnRef>
-          <a:fillRef idx="0">
-            <a:schemeClr val="accent1"/>
-          </a:fillRef>
-          <a:effectRef idx="0">
-            <a:schemeClr val="accent1"/>
-          </a:effectRef>
-          <a:fontRef idx="minor">
-            <a:schemeClr val="tx1"/>
-          </a:fontRef>
-        </p:style>
-      </p:cxnSp>
-      <p:sp>
-        <p:nvSpPr>
-          <p:cNvPr id="193" name="Rectangle 192">
-            <a:extLst>
-              <a:ext uri="{FF2B5EF4-FFF2-40B4-BE49-F238E27FC236}">
-                <a16:creationId xmlns:a16="http://schemas.microsoft.com/office/drawing/2014/main" id="{247AB924-1B87-43FC-B7C7-B112D5C51A0E}"/>
-              </a:ext>
-              <a:ext uri="{C183D7F6-B498-43B3-948B-1728B52AA6E4}">
-                <adec:decorative xmlns:adec="http://schemas.microsoft.com/office/drawing/2017/decorative" val="1"/>
-              </a:ext>
-            </a:extLst>
-          </p:cNvPr>
-          <p:cNvSpPr>
-            <a:spLocks noGrp="1" noRot="1" noChangeAspect="1" noMove="1" noResize="1" noEditPoints="1" noAdjustHandles="1" noChangeArrowheads="1" noChangeShapeType="1" noTextEdit="1"/>
-          </p:cNvSpPr>
-          <p:nvPr>
-            <p:extLst>
-              <p:ext uri="{386F3935-93C4-4BCD-93E2-E3B085C9AB24}">
-                <p16:designElem xmlns:p16="http://schemas.microsoft.com/office/powerpoint/2015/main" val="1"/>
-              </p:ext>
-            </p:extLst>
-          </p:nvPr>
-        </p:nvSpPr>
-        <p:spPr bwMode="ltGray">
-          <a:xfrm>
-            <a:off x="378068" y="4633546"/>
-            <a:ext cx="11438793" cy="1844256"/>
-          </a:xfrm>
-          <a:prstGeom prst="rect">
-            <a:avLst/>
+          <a:xfrm rot="16200000">
+            <a:off x="800100" y="1491343"/>
+            <a:ext cx="3333749" cy="3499103"/>
+          </a:xfrm>
+          <a:prstGeom prst="downArrow">
+            <a:avLst>
+              <a:gd name="adj1" fmla="val 100000"/>
+              <a:gd name="adj2" fmla="val 15788"/>
+            </a:avLst>
           </a:prstGeom>
           <a:solidFill>
             <a:srgbClr val="404040"/>
           </a:solidFill>
-          <a:ln w="127000" cap="sq" cmpd="thinThick">
-            <a:solidFill>
-              <a:srgbClr val="404040"/>
-            </a:solidFill>
+          <a:ln w="53975">
+            <a:noFill/>
           </a:ln>
         </p:spPr>
         <p:style>
@@ -3882,7 +3841,7 @@
           <p:cNvPr id="2" name="Title 1">
             <a:extLst>
               <a:ext uri="{FF2B5EF4-FFF2-40B4-BE49-F238E27FC236}">
-                <a16:creationId xmlns:a16="http://schemas.microsoft.com/office/drawing/2014/main" id="{68881C80-7E2F-4A42-AC76-CB32CB4FB1B1}"/>
+                <a16:creationId xmlns:a16="http://schemas.microsoft.com/office/drawing/2014/main" id="{716E6A5E-B586-7649-8786-DCD1F3D06178}"/>
               </a:ext>
             </a:extLst>
           </p:cNvPr>
@@ -3895,273 +3854,68 @@
         </p:nvSpPr>
         <p:spPr>
           <a:xfrm>
-            <a:off x="527538" y="4756638"/>
-            <a:ext cx="11139854" cy="930447"/>
-          </a:xfrm>
-        </p:spPr>
-        <p:txBody>
-          <a:bodyPr vert="horz" lIns="91440" tIns="45720" rIns="91440" bIns="45720" rtlCol="0" anchor="b">
+            <a:off x="1028700" y="1967266"/>
+            <a:ext cx="2628900" cy="2547257"/>
+          </a:xfrm>
+          <a:noFill/>
+        </p:spPr>
+        <p:txBody>
+          <a:bodyPr vert="horz" lIns="91440" tIns="45720" rIns="91440" bIns="45720" rtlCol="0" anchor="ctr">
             <a:normAutofit/>
           </a:bodyPr>
           <a:lstStyle/>
           <a:p>
             <a:pPr algn="ctr"/>
             <a:r>
-              <a:rPr lang="en-US" sz="5400">
+              <a:rPr lang="en-US" sz="3600" kern="1200">
                 <a:solidFill>
                   <a:srgbClr val="FFFFFF"/>
                 </a:solidFill>
+                <a:latin typeface="+mj-lt"/>
+                <a:ea typeface="+mj-ea"/>
+                <a:cs typeface="+mj-cs"/>
               </a:rPr>
-              <a:t>EDA – Top 3 Contributing Factors</a:t>
+              <a:t>Data Set</a:t>
             </a:r>
           </a:p>
         </p:txBody>
       </p:sp>
       <p:pic>
         <p:nvPicPr>
-          <p:cNvPr id="1032" name="Picture 8">
-            <a:extLst>
-              <a:ext uri="{FF2B5EF4-FFF2-40B4-BE49-F238E27FC236}">
-                <a16:creationId xmlns:a16="http://schemas.microsoft.com/office/drawing/2014/main" id="{2ECEEF2F-2BD8-3D48-A332-FA0B76BAE877}"/>
+          <p:cNvPr id="7" name="Content Placeholder 6">
+            <a:extLst>
+              <a:ext uri="{FF2B5EF4-FFF2-40B4-BE49-F238E27FC236}">
+                <a16:creationId xmlns:a16="http://schemas.microsoft.com/office/drawing/2014/main" id="{7AD80865-618D-784F-9C7D-BCC65472D244}"/>
               </a:ext>
             </a:extLst>
           </p:cNvPr>
           <p:cNvPicPr>
-            <a:picLocks noChangeAspect="1" noChangeArrowheads="1"/>
+            <a:picLocks noGrp="1" noChangeAspect="1"/>
           </p:cNvPicPr>
-          <p:nvPr/>
+          <p:nvPr>
+            <p:ph idx="1"/>
+          </p:nvPr>
         </p:nvPicPr>
         <p:blipFill>
-          <a:blip r:embed="rId2">
-            <a:extLst>
-              <a:ext uri="{28A0092B-C50C-407E-A947-70E740481C1C}">
-                <a14:useLocalDpi xmlns:a14="http://schemas.microsoft.com/office/drawing/2010/main" val="0"/>
-              </a:ext>
-            </a:extLst>
-          </a:blip>
+          <a:blip r:embed="rId2"/>
           <a:stretch>
             <a:fillRect/>
           </a:stretch>
         </p:blipFill>
-        <p:spPr bwMode="auto">
+        <p:spPr>
           <a:xfrm>
-            <a:off x="320040" y="1081894"/>
-            <a:ext cx="3425609" cy="2449310"/>
+            <a:off x="4777316" y="851169"/>
+            <a:ext cx="6780700" cy="5153332"/>
           </a:xfrm>
           <a:prstGeom prst="rect">
             <a:avLst/>
           </a:prstGeom>
-          <a:extLst>
-            <a:ext uri="{909E8E84-426E-40DD-AFC4-6F175D3DCCD1}">
-              <a14:hiddenFill xmlns:a14="http://schemas.microsoft.com/office/drawing/2010/main">
-                <a:solidFill>
-                  <a:srgbClr val="FFFFFF"/>
-                </a:solidFill>
-              </a14:hiddenFill>
-            </a:ext>
-          </a:extLst>
         </p:spPr>
       </p:pic>
-      <p:pic>
-        <p:nvPicPr>
-          <p:cNvPr id="1026" name="Picture 2">
-            <a:extLst>
-              <a:ext uri="{FF2B5EF4-FFF2-40B4-BE49-F238E27FC236}">
-                <a16:creationId xmlns:a16="http://schemas.microsoft.com/office/drawing/2014/main" id="{522252C7-C40C-DA41-BDA1-8FA00BB3D8A7}"/>
-              </a:ext>
-            </a:extLst>
-          </p:cNvPr>
-          <p:cNvPicPr>
-            <a:picLocks noGrp="1" noChangeAspect="1" noChangeArrowheads="1"/>
-          </p:cNvPicPr>
-          <p:nvPr>
-            <p:ph idx="1"/>
-          </p:nvPr>
-        </p:nvPicPr>
-        <p:blipFill>
-          <a:blip r:embed="rId3">
-            <a:extLst>
-              <a:ext uri="{28A0092B-C50C-407E-A947-70E740481C1C}">
-                <a14:useLocalDpi xmlns:a14="http://schemas.microsoft.com/office/drawing/2010/main" val="0"/>
-              </a:ext>
-            </a:extLst>
-          </a:blip>
-          <a:stretch>
-            <a:fillRect/>
-          </a:stretch>
-        </p:blipFill>
-        <p:spPr bwMode="auto">
-          <a:xfrm>
-            <a:off x="4385729" y="1079136"/>
-            <a:ext cx="3433324" cy="2454826"/>
-          </a:xfrm>
-          <a:prstGeom prst="rect">
-            <a:avLst/>
-          </a:prstGeom>
-          <a:extLst>
-            <a:ext uri="{909E8E84-426E-40DD-AFC4-6F175D3DCCD1}">
-              <a14:hiddenFill xmlns:a14="http://schemas.microsoft.com/office/drawing/2010/main">
-                <a:solidFill>
-                  <a:srgbClr val="FFFFFF"/>
-                </a:solidFill>
-              </a14:hiddenFill>
-            </a:ext>
-          </a:extLst>
-        </p:spPr>
-      </p:pic>
-      <p:cxnSp>
-        <p:nvCxnSpPr>
-          <p:cNvPr id="194" name="Straight Connector 193">
-            <a:extLst>
-              <a:ext uri="{FF2B5EF4-FFF2-40B4-BE49-F238E27FC236}">
-                <a16:creationId xmlns:a16="http://schemas.microsoft.com/office/drawing/2014/main" id="{818DC98F-4057-4645-B948-F604F39A9CFE}"/>
-              </a:ext>
-              <a:ext uri="{C183D7F6-B498-43B3-948B-1728B52AA6E4}">
-                <adec:decorative xmlns:adec="http://schemas.microsoft.com/office/drawing/2017/decorative" val="1"/>
-              </a:ext>
-            </a:extLst>
-          </p:cNvPr>
-          <p:cNvCxnSpPr>
-            <a:cxnSpLocks noGrp="1" noRot="1" noChangeAspect="1" noMove="1" noResize="1" noEditPoints="1" noAdjustHandles="1" noChangeArrowheads="1" noChangeShapeType="1"/>
-          </p:cNvCxnSpPr>
-          <p:nvPr>
-            <p:extLst>
-              <p:ext uri="{386F3935-93C4-4BCD-93E2-E3B085C9AB24}">
-                <p16:designElem xmlns:p16="http://schemas.microsoft.com/office/powerpoint/2015/main" val="1"/>
-              </p:ext>
-            </p:extLst>
-          </p:nvPr>
-        </p:nvCxnSpPr>
-        <p:spPr>
-          <a:xfrm>
-            <a:off x="8153400" y="477749"/>
-            <a:ext cx="0" cy="3657600"/>
-          </a:xfrm>
-          <a:prstGeom prst="line">
-            <a:avLst/>
-          </a:prstGeom>
-          <a:ln w="101600" cmpd="dbl">
-            <a:solidFill>
-              <a:srgbClr val="595959"/>
-            </a:solidFill>
-          </a:ln>
-        </p:spPr>
-        <p:style>
-          <a:lnRef idx="1">
-            <a:schemeClr val="accent1"/>
-          </a:lnRef>
-          <a:fillRef idx="0">
-            <a:schemeClr val="accent1"/>
-          </a:fillRef>
-          <a:effectRef idx="0">
-            <a:schemeClr val="accent1"/>
-          </a:effectRef>
-          <a:fontRef idx="minor">
-            <a:schemeClr val="tx1"/>
-          </a:fontRef>
-        </p:style>
-      </p:cxnSp>
-      <p:pic>
-        <p:nvPicPr>
-          <p:cNvPr id="1030" name="Picture 6">
-            <a:extLst>
-              <a:ext uri="{FF2B5EF4-FFF2-40B4-BE49-F238E27FC236}">
-                <a16:creationId xmlns:a16="http://schemas.microsoft.com/office/drawing/2014/main" id="{DBE133DE-85A9-7E4E-AC46-4335F8A3C4DD}"/>
-              </a:ext>
-            </a:extLst>
-          </p:cNvPr>
-          <p:cNvPicPr>
-            <a:picLocks noChangeAspect="1" noChangeArrowheads="1"/>
-          </p:cNvPicPr>
-          <p:nvPr/>
-        </p:nvPicPr>
-        <p:blipFill>
-          <a:blip r:embed="rId4">
-            <a:extLst>
-              <a:ext uri="{28A0092B-C50C-407E-A947-70E740481C1C}">
-                <a14:useLocalDpi xmlns:a14="http://schemas.microsoft.com/office/drawing/2010/main" val="0"/>
-              </a:ext>
-            </a:extLst>
-          </a:blip>
-          <a:stretch>
-            <a:fillRect/>
-          </a:stretch>
-        </p:blipFill>
-        <p:spPr bwMode="auto">
-          <a:xfrm>
-            <a:off x="8449725" y="1104814"/>
-            <a:ext cx="3423916" cy="2448099"/>
-          </a:xfrm>
-          <a:prstGeom prst="rect">
-            <a:avLst/>
-          </a:prstGeom>
-          <a:extLst>
-            <a:ext uri="{909E8E84-426E-40DD-AFC4-6F175D3DCCD1}">
-              <a14:hiddenFill xmlns:a14="http://schemas.microsoft.com/office/drawing/2010/main">
-                <a:solidFill>
-                  <a:srgbClr val="FFFFFF"/>
-                </a:solidFill>
-              </a14:hiddenFill>
-            </a:ext>
-          </a:extLst>
-        </p:spPr>
-      </p:pic>
-      <p:cxnSp>
-        <p:nvCxnSpPr>
-          <p:cNvPr id="195" name="Straight Connector 194">
-            <a:extLst>
-              <a:ext uri="{FF2B5EF4-FFF2-40B4-BE49-F238E27FC236}">
-                <a16:creationId xmlns:a16="http://schemas.microsoft.com/office/drawing/2014/main" id="{DAD2B705-4A9B-408D-AA80-4F41045E09DE}"/>
-              </a:ext>
-              <a:ext uri="{C183D7F6-B498-43B3-948B-1728B52AA6E4}">
-                <adec:decorative xmlns:adec="http://schemas.microsoft.com/office/drawing/2017/decorative" val="1"/>
-              </a:ext>
-            </a:extLst>
-          </p:cNvPr>
-          <p:cNvCxnSpPr>
-            <a:cxnSpLocks noGrp="1" noRot="1" noChangeAspect="1" noMove="1" noResize="1" noEditPoints="1" noAdjustHandles="1" noChangeArrowheads="1" noChangeShapeType="1"/>
-          </p:cNvCxnSpPr>
-          <p:nvPr>
-            <p:extLst>
-              <p:ext uri="{386F3935-93C4-4BCD-93E2-E3B085C9AB24}">
-                <p16:designElem xmlns:p16="http://schemas.microsoft.com/office/powerpoint/2015/main" val="1"/>
-              </p:ext>
-            </p:extLst>
-          </p:nvPr>
-        </p:nvCxnSpPr>
-        <p:spPr>
-          <a:xfrm>
-            <a:off x="2209800" y="5738691"/>
-            <a:ext cx="7772400" cy="0"/>
-          </a:xfrm>
-          <a:prstGeom prst="line">
-            <a:avLst/>
-          </a:prstGeom>
-          <a:ln w="22225">
-            <a:solidFill>
-              <a:srgbClr val="D9D9D9"/>
-            </a:solidFill>
-          </a:ln>
-        </p:spPr>
-        <p:style>
-          <a:lnRef idx="1">
-            <a:schemeClr val="accent1"/>
-          </a:lnRef>
-          <a:fillRef idx="0">
-            <a:schemeClr val="accent1"/>
-          </a:fillRef>
-          <a:effectRef idx="0">
-            <a:schemeClr val="accent1"/>
-          </a:effectRef>
-          <a:fontRef idx="minor">
-            <a:schemeClr val="tx1"/>
-          </a:fontRef>
-        </p:style>
-      </p:cxnSp>
     </p:spTree>
     <p:extLst>
       <p:ext uri="{BB962C8B-B14F-4D97-AF65-F5344CB8AC3E}">
-        <p14:creationId xmlns:p14="http://schemas.microsoft.com/office/powerpoint/2010/main" val="1077774852"/>
+        <p14:creationId xmlns:p14="http://schemas.microsoft.com/office/powerpoint/2010/main" val="2060008376"/>
       </p:ext>
     </p:extLst>
   </p:cSld>
@@ -4467,14 +4221,6 @@
 <file path=ppt/slides/slide4.xml><?xml version="1.0" encoding="utf-8"?>
 <p:sld xmlns:a="http://schemas.openxmlformats.org/drawingml/2006/main" xmlns:r="http://schemas.openxmlformats.org/officeDocument/2006/relationships" xmlns:p="http://schemas.openxmlformats.org/presentationml/2006/main">
   <p:cSld>
-    <p:bg>
-      <p:bgPr>
-        <a:solidFill>
-          <a:schemeClr val="bg1"/>
-        </a:solidFill>
-        <a:effectLst/>
-      </p:bgPr>
-    </p:bg>
     <p:spTree>
       <p:nvGrpSpPr>
         <p:cNvPr id="1" name=""/>
@@ -4489,21 +4235,21 @@
           <a:chExt cx="0" cy="0"/>
         </a:xfrm>
       </p:grpSpPr>
-      <p:sp>
-        <p:nvSpPr>
-          <p:cNvPr id="16" name="Rectangle 15">
-            <a:extLst>
-              <a:ext uri="{FF2B5EF4-FFF2-40B4-BE49-F238E27FC236}">
-                <a16:creationId xmlns:a16="http://schemas.microsoft.com/office/drawing/2014/main" id="{5E52985E-2553-471E-82AA-5ED7A329890A}"/>
+      <p:cxnSp>
+        <p:nvCxnSpPr>
+          <p:cNvPr id="192" name="Straight Connector 191">
+            <a:extLst>
+              <a:ext uri="{FF2B5EF4-FFF2-40B4-BE49-F238E27FC236}">
+                <a16:creationId xmlns:a16="http://schemas.microsoft.com/office/drawing/2014/main" id="{99AE2756-0FC4-4155-83E7-58AAAB63E757}"/>
               </a:ext>
               <a:ext uri="{C183D7F6-B498-43B3-948B-1728B52AA6E4}">
                 <adec:decorative xmlns:adec="http://schemas.microsoft.com/office/drawing/2017/decorative" val="1"/>
               </a:ext>
             </a:extLst>
           </p:cNvPr>
-          <p:cNvSpPr>
-            <a:spLocks noGrp="1" noRot="1" noChangeAspect="1" noMove="1" noResize="1" noEditPoints="1" noAdjustHandles="1" noChangeArrowheads="1" noChangeShapeType="1" noTextEdit="1"/>
-          </p:cNvSpPr>
+          <p:cNvCxnSpPr>
+            <a:cxnSpLocks noGrp="1" noRot="1" noChangeAspect="1" noMove="1" noResize="1" noEditPoints="1" noAdjustHandles="1" noChangeArrowheads="1" noChangeShapeType="1"/>
+          </p:cNvCxnSpPr>
           <p:nvPr>
             <p:extLst>
               <p:ext uri="{386F3935-93C4-4BCD-93E2-E3B085C9AB24}">
@@ -4511,27 +4257,73 @@
               </p:ext>
             </p:extLst>
           </p:nvPr>
+        </p:nvCxnSpPr>
+        <p:spPr>
+          <a:xfrm>
+            <a:off x="4065689" y="477749"/>
+            <a:ext cx="0" cy="3657600"/>
+          </a:xfrm>
+          <a:prstGeom prst="line">
+            <a:avLst/>
+          </a:prstGeom>
+          <a:ln w="101600" cmpd="dbl">
+            <a:solidFill>
+              <a:srgbClr val="595959"/>
+            </a:solidFill>
+          </a:ln>
+        </p:spPr>
+        <p:style>
+          <a:lnRef idx="1">
+            <a:schemeClr val="accent1"/>
+          </a:lnRef>
+          <a:fillRef idx="0">
+            <a:schemeClr val="accent1"/>
+          </a:fillRef>
+          <a:effectRef idx="0">
+            <a:schemeClr val="accent1"/>
+          </a:effectRef>
+          <a:fontRef idx="minor">
+            <a:schemeClr val="tx1"/>
+          </a:fontRef>
+        </p:style>
+      </p:cxnSp>
+      <p:sp>
+        <p:nvSpPr>
+          <p:cNvPr id="193" name="Rectangle 192">
+            <a:extLst>
+              <a:ext uri="{FF2B5EF4-FFF2-40B4-BE49-F238E27FC236}">
+                <a16:creationId xmlns:a16="http://schemas.microsoft.com/office/drawing/2014/main" id="{247AB924-1B87-43FC-B7C7-B112D5C51A0E}"/>
+              </a:ext>
+              <a:ext uri="{C183D7F6-B498-43B3-948B-1728B52AA6E4}">
+                <adec:decorative xmlns:adec="http://schemas.microsoft.com/office/drawing/2017/decorative" val="1"/>
+              </a:ext>
+            </a:extLst>
+          </p:cNvPr>
+          <p:cNvSpPr>
+            <a:spLocks noGrp="1" noRot="1" noChangeAspect="1" noMove="1" noResize="1" noEditPoints="1" noAdjustHandles="1" noChangeArrowheads="1" noChangeShapeType="1" noTextEdit="1"/>
+          </p:cNvSpPr>
+          <p:nvPr>
+            <p:extLst>
+              <p:ext uri="{386F3935-93C4-4BCD-93E2-E3B085C9AB24}">
+                <p16:designElem xmlns:p16="http://schemas.microsoft.com/office/powerpoint/2015/main" val="1"/>
+              </p:ext>
+            </p:extLst>
+          </p:nvPr>
         </p:nvSpPr>
         <p:spPr bwMode="ltGray">
           <a:xfrm>
-            <a:off x="393308" y="4462044"/>
+            <a:off x="378068" y="4633546"/>
             <a:ext cx="11438793" cy="1844256"/>
           </a:xfrm>
           <a:prstGeom prst="rect">
             <a:avLst/>
           </a:prstGeom>
           <a:solidFill>
-            <a:schemeClr val="tx1">
-              <a:lumMod val="75000"/>
-              <a:lumOff val="25000"/>
-            </a:schemeClr>
+            <a:srgbClr val="404040"/>
           </a:solidFill>
           <a:ln w="127000" cap="sq" cmpd="thinThick">
             <a:solidFill>
-              <a:schemeClr val="tx1">
-                <a:lumMod val="75000"/>
-                <a:lumOff val="25000"/>
-              </a:schemeClr>
+              <a:srgbClr val="404040"/>
             </a:solidFill>
           </a:ln>
         </p:spPr>
@@ -4555,37 +4347,8 @@
           <a:bodyPr rtlCol="0" anchor="ctr"/>
           <a:lstStyle/>
           <a:p>
-            <a:pPr marL="0" marR="0" lvl="0" indent="0" algn="ctr" defTabSz="914400" rtl="0" eaLnBrk="1" fontAlgn="auto" latinLnBrk="0" hangingPunct="1">
-              <a:lnSpc>
-                <a:spcPct val="100000"/>
-              </a:lnSpc>
-              <a:spcBef>
-                <a:spcPts val="0"/>
-              </a:spcBef>
-              <a:spcAft>
-                <a:spcPts val="0"/>
-              </a:spcAft>
-              <a:buClrTx/>
-              <a:buSzTx/>
-              <a:buFontTx/>
-              <a:buNone/>
-              <a:tabLst/>
-              <a:defRPr/>
-            </a:pPr>
-            <a:endParaRPr kumimoji="0" lang="en-US" sz="1800" b="0" i="0" u="none" strike="noStrike" kern="1200" cap="none" spc="0" normalizeH="0" baseline="0" noProof="0">
-              <a:ln>
-                <a:noFill/>
-              </a:ln>
-              <a:solidFill>
-                <a:prstClr val="white"/>
-              </a:solidFill>
-              <a:effectLst/>
-              <a:uLnTx/>
-              <a:uFillTx/>
-              <a:latin typeface="Calibri" panose="020F0502020204030204"/>
-              <a:ea typeface="+mn-ea"/>
-              <a:cs typeface="+mn-cs"/>
-            </a:endParaRPr>
+            <a:pPr algn="ctr"/>
+            <a:endParaRPr lang="en-US"/>
           </a:p>
         </p:txBody>
       </p:sp>
@@ -4594,7 +4357,7 @@
           <p:cNvPr id="2" name="Title 1">
             <a:extLst>
               <a:ext uri="{FF2B5EF4-FFF2-40B4-BE49-F238E27FC236}">
-                <a16:creationId xmlns:a16="http://schemas.microsoft.com/office/drawing/2014/main" id="{E53FF7D9-F951-004C-BBDE-155A0F36CB38}"/>
+                <a16:creationId xmlns:a16="http://schemas.microsoft.com/office/drawing/2014/main" id="{68881C80-7E2F-4A42-AC76-CB32CB4FB1B1}"/>
               </a:ext>
             </a:extLst>
           </p:cNvPr>
@@ -4607,97 +4370,126 @@
         </p:nvSpPr>
         <p:spPr>
           <a:xfrm>
-            <a:off x="649270" y="4615840"/>
-            <a:ext cx="3885141" cy="1526741"/>
-          </a:xfrm>
-        </p:spPr>
-        <p:txBody>
-          <a:bodyPr vert="horz" lIns="91440" tIns="45720" rIns="91440" bIns="45720" rtlCol="0">
+            <a:off x="527538" y="4756638"/>
+            <a:ext cx="11139854" cy="930447"/>
+          </a:xfrm>
+        </p:spPr>
+        <p:txBody>
+          <a:bodyPr vert="horz" lIns="91440" tIns="45720" rIns="91440" bIns="45720" rtlCol="0" anchor="b">
             <a:normAutofit/>
           </a:bodyPr>
           <a:lstStyle/>
           <a:p>
-            <a:pPr algn="r"/>
-            <a:r>
-              <a:rPr lang="en-US" sz="3000" kern="1200">
+            <a:pPr algn="ctr"/>
+            <a:r>
+              <a:rPr lang="en-US" sz="5400">
                 <a:solidFill>
-                  <a:schemeClr val="bg1"/>
+                  <a:srgbClr val="FFFFFF"/>
                 </a:solidFill>
-                <a:latin typeface="+mj-lt"/>
-                <a:ea typeface="+mj-ea"/>
-                <a:cs typeface="+mj-cs"/>
               </a:rPr>
-              <a:t>Job Role Trends</a:t>
+              <a:t>EDA – Top 3 Contributing Factors</a:t>
             </a:r>
           </a:p>
         </p:txBody>
       </p:sp>
       <p:pic>
         <p:nvPicPr>
-          <p:cNvPr id="6" name="Picture 5">
-            <a:extLst>
-              <a:ext uri="{FF2B5EF4-FFF2-40B4-BE49-F238E27FC236}">
-                <a16:creationId xmlns:a16="http://schemas.microsoft.com/office/drawing/2014/main" id="{468A6832-A614-D94B-9419-2942E504ACA7}"/>
+          <p:cNvPr id="1032" name="Picture 8">
+            <a:extLst>
+              <a:ext uri="{FF2B5EF4-FFF2-40B4-BE49-F238E27FC236}">
+                <a16:creationId xmlns:a16="http://schemas.microsoft.com/office/drawing/2014/main" id="{2ECEEF2F-2BD8-3D48-A332-FA0B76BAE877}"/>
               </a:ext>
             </a:extLst>
           </p:cNvPr>
           <p:cNvPicPr>
-            <a:picLocks noChangeAspect="1"/>
+            <a:picLocks noChangeAspect="1" noChangeArrowheads="1"/>
           </p:cNvPicPr>
           <p:nvPr/>
         </p:nvPicPr>
         <p:blipFill>
-          <a:blip r:embed="rId3"/>
+          <a:blip r:embed="rId2">
+            <a:extLst>
+              <a:ext uri="{28A0092B-C50C-407E-A947-70E740481C1C}">
+                <a14:useLocalDpi xmlns:a14="http://schemas.microsoft.com/office/drawing/2010/main" val="0"/>
+              </a:ext>
+            </a:extLst>
+          </a:blip>
           <a:stretch>
             <a:fillRect/>
           </a:stretch>
         </p:blipFill>
-        <p:spPr>
+        <p:spPr bwMode="auto">
           <a:xfrm>
-            <a:off x="6514708" y="1636363"/>
-            <a:ext cx="5559480" cy="1653945"/>
+            <a:off x="320040" y="1081894"/>
+            <a:ext cx="3425609" cy="2449310"/>
           </a:xfrm>
           <a:prstGeom prst="rect">
             <a:avLst/>
           </a:prstGeom>
+          <a:extLst>
+            <a:ext uri="{909E8E84-426E-40DD-AFC4-6F175D3DCCD1}">
+              <a14:hiddenFill xmlns:a14="http://schemas.microsoft.com/office/drawing/2010/main">
+                <a:solidFill>
+                  <a:srgbClr val="FFFFFF"/>
+                </a:solidFill>
+              </a14:hiddenFill>
+            </a:ext>
+          </a:extLst>
         </p:spPr>
       </p:pic>
       <p:pic>
         <p:nvPicPr>
-          <p:cNvPr id="4" name="Content Placeholder 3">
-            <a:extLst>
-              <a:ext uri="{FF2B5EF4-FFF2-40B4-BE49-F238E27FC236}">
-                <a16:creationId xmlns:a16="http://schemas.microsoft.com/office/drawing/2014/main" id="{9033935E-10A5-D740-B491-E9499268A5F9}"/>
+          <p:cNvPr id="1026" name="Picture 2">
+            <a:extLst>
+              <a:ext uri="{FF2B5EF4-FFF2-40B4-BE49-F238E27FC236}">
+                <a16:creationId xmlns:a16="http://schemas.microsoft.com/office/drawing/2014/main" id="{522252C7-C40C-DA41-BDA1-8FA00BB3D8A7}"/>
               </a:ext>
             </a:extLst>
           </p:cNvPr>
           <p:cNvPicPr>
-            <a:picLocks noChangeAspect="1"/>
+            <a:picLocks noGrp="1" noChangeAspect="1" noChangeArrowheads="1"/>
           </p:cNvPicPr>
-          <p:nvPr/>
+          <p:nvPr>
+            <p:ph idx="1"/>
+          </p:nvPr>
         </p:nvPicPr>
         <p:blipFill>
-          <a:blip r:embed="rId4"/>
+          <a:blip r:embed="rId3">
+            <a:extLst>
+              <a:ext uri="{28A0092B-C50C-407E-A947-70E740481C1C}">
+                <a14:useLocalDpi xmlns:a14="http://schemas.microsoft.com/office/drawing/2010/main" val="0"/>
+              </a:ext>
+            </a:extLst>
+          </a:blip>
           <a:stretch>
             <a:fillRect/>
           </a:stretch>
         </p:blipFill>
-        <p:spPr>
+        <p:spPr bwMode="auto">
           <a:xfrm>
-            <a:off x="306433" y="419101"/>
-            <a:ext cx="6208275" cy="3616320"/>
+            <a:off x="4385729" y="1079136"/>
+            <a:ext cx="3433324" cy="2454826"/>
           </a:xfrm>
           <a:prstGeom prst="rect">
             <a:avLst/>
           </a:prstGeom>
+          <a:extLst>
+            <a:ext uri="{909E8E84-426E-40DD-AFC4-6F175D3DCCD1}">
+              <a14:hiddenFill xmlns:a14="http://schemas.microsoft.com/office/drawing/2010/main">
+                <a:solidFill>
+                  <a:srgbClr val="FFFFFF"/>
+                </a:solidFill>
+              </a14:hiddenFill>
+            </a:ext>
+          </a:extLst>
         </p:spPr>
       </p:pic>
       <p:cxnSp>
         <p:nvCxnSpPr>
-          <p:cNvPr id="18" name="Straight Connector 17">
-            <a:extLst>
-              <a:ext uri="{FF2B5EF4-FFF2-40B4-BE49-F238E27FC236}">
-                <a16:creationId xmlns:a16="http://schemas.microsoft.com/office/drawing/2014/main" id="{DAE3ABC6-4042-4293-A7DF-F01181363B7E}"/>
+          <p:cNvPr id="194" name="Straight Connector 193">
+            <a:extLst>
+              <a:ext uri="{FF2B5EF4-FFF2-40B4-BE49-F238E27FC236}">
+                <a16:creationId xmlns:a16="http://schemas.microsoft.com/office/drawing/2014/main" id="{818DC98F-4057-4645-B948-F604F39A9CFE}"/>
               </a:ext>
               <a:ext uri="{C183D7F6-B498-43B3-948B-1728B52AA6E4}">
                 <adec:decorative xmlns:adec="http://schemas.microsoft.com/office/drawing/2017/decorative" val="1"/>
@@ -4716,18 +4508,16 @@
           </p:nvPr>
         </p:nvCxnSpPr>
         <p:spPr>
-          <a:xfrm flipV="1">
-            <a:off x="4739873" y="4690076"/>
-            <a:ext cx="0" cy="1371600"/>
+          <a:xfrm>
+            <a:off x="8153400" y="477749"/>
+            <a:ext cx="0" cy="3657600"/>
           </a:xfrm>
           <a:prstGeom prst="line">
             <a:avLst/>
           </a:prstGeom>
-          <a:ln w="19050">
+          <a:ln w="101600" cmpd="dbl">
             <a:solidFill>
-              <a:schemeClr val="bg1">
-                <a:alpha val="75000"/>
-              </a:schemeClr>
+              <a:srgbClr val="595959"/>
             </a:solidFill>
           </a:ln>
         </p:spPr>
@@ -4746,69 +4536,107 @@
           </a:fontRef>
         </p:style>
       </p:cxnSp>
-      <p:sp>
-        <p:nvSpPr>
-          <p:cNvPr id="13" name="Content Placeholder 12">
-            <a:extLst>
-              <a:ext uri="{FF2B5EF4-FFF2-40B4-BE49-F238E27FC236}">
-                <a16:creationId xmlns:a16="http://schemas.microsoft.com/office/drawing/2014/main" id="{EBB47842-869C-4DC9-95B1-2BD17E8318E9}"/>
-              </a:ext>
-            </a:extLst>
-          </p:cNvPr>
-          <p:cNvSpPr>
-            <a:spLocks noGrp="1"/>
-          </p:cNvSpPr>
-          <p:nvPr>
-            <p:ph idx="1"/>
-          </p:nvPr>
-        </p:nvSpPr>
+      <p:pic>
+        <p:nvPicPr>
+          <p:cNvPr id="1030" name="Picture 6">
+            <a:extLst>
+              <a:ext uri="{FF2B5EF4-FFF2-40B4-BE49-F238E27FC236}">
+                <a16:creationId xmlns:a16="http://schemas.microsoft.com/office/drawing/2014/main" id="{DBE133DE-85A9-7E4E-AC46-4335F8A3C4DD}"/>
+              </a:ext>
+            </a:extLst>
+          </p:cNvPr>
+          <p:cNvPicPr>
+            <a:picLocks noChangeAspect="1" noChangeArrowheads="1"/>
+          </p:cNvPicPr>
+          <p:nvPr/>
+        </p:nvPicPr>
+        <p:blipFill>
+          <a:blip r:embed="rId4">
+            <a:extLst>
+              <a:ext uri="{28A0092B-C50C-407E-A947-70E740481C1C}">
+                <a14:useLocalDpi xmlns:a14="http://schemas.microsoft.com/office/drawing/2010/main" val="0"/>
+              </a:ext>
+            </a:extLst>
+          </a:blip>
+          <a:stretch>
+            <a:fillRect/>
+          </a:stretch>
+        </p:blipFill>
+        <p:spPr bwMode="auto">
+          <a:xfrm>
+            <a:off x="8449725" y="1104814"/>
+            <a:ext cx="3423916" cy="2448099"/>
+          </a:xfrm>
+          <a:prstGeom prst="rect">
+            <a:avLst/>
+          </a:prstGeom>
+          <a:extLst>
+            <a:ext uri="{909E8E84-426E-40DD-AFC4-6F175D3DCCD1}">
+              <a14:hiddenFill xmlns:a14="http://schemas.microsoft.com/office/drawing/2010/main">
+                <a:solidFill>
+                  <a:srgbClr val="FFFFFF"/>
+                </a:solidFill>
+              </a14:hiddenFill>
+            </a:ext>
+          </a:extLst>
+        </p:spPr>
+      </p:pic>
+      <p:cxnSp>
+        <p:nvCxnSpPr>
+          <p:cNvPr id="195" name="Straight Connector 194">
+            <a:extLst>
+              <a:ext uri="{FF2B5EF4-FFF2-40B4-BE49-F238E27FC236}">
+                <a16:creationId xmlns:a16="http://schemas.microsoft.com/office/drawing/2014/main" id="{DAD2B705-4A9B-408D-AA80-4F41045E09DE}"/>
+              </a:ext>
+              <a:ext uri="{C183D7F6-B498-43B3-948B-1728B52AA6E4}">
+                <adec:decorative xmlns:adec="http://schemas.microsoft.com/office/drawing/2017/decorative" val="1"/>
+              </a:ext>
+            </a:extLst>
+          </p:cNvPr>
+          <p:cNvCxnSpPr>
+            <a:cxnSpLocks noGrp="1" noRot="1" noChangeAspect="1" noMove="1" noResize="1" noEditPoints="1" noAdjustHandles="1" noChangeArrowheads="1" noChangeShapeType="1"/>
+          </p:cNvCxnSpPr>
+          <p:nvPr>
+            <p:extLst>
+              <p:ext uri="{386F3935-93C4-4BCD-93E2-E3B085C9AB24}">
+                <p16:designElem xmlns:p16="http://schemas.microsoft.com/office/powerpoint/2015/main" val="1"/>
+              </p:ext>
+            </p:extLst>
+          </p:nvPr>
+        </p:nvCxnSpPr>
         <p:spPr>
           <a:xfrm>
-            <a:off x="4945336" y="4615840"/>
-            <a:ext cx="6609921" cy="1526741"/>
-          </a:xfrm>
-        </p:spPr>
-        <p:txBody>
-          <a:bodyPr anchor="ctr">
-            <a:normAutofit fontScale="55000" lnSpcReduction="20000"/>
-          </a:bodyPr>
-          <a:lstStyle/>
-          <a:p>
-            <a:r>
-              <a:rPr lang="en-US" sz="2200" dirty="0">
-                <a:solidFill>
-                  <a:schemeClr val="bg1"/>
-                </a:solidFill>
-              </a:rPr>
-              <a:t>Sales Representatives have the lowest mean monthly income (2653), lowest mean education level (2.45) and are the least experienced employees with a mean of 2.9 years with the company.</a:t>
-            </a:r>
-          </a:p>
-          <a:p>
-            <a:r>
-              <a:rPr lang="en-US" sz="2200" dirty="0">
-                <a:solidFill>
-                  <a:schemeClr val="bg1"/>
-                </a:solidFill>
-              </a:rPr>
-              <a:t>Mangers and Research Directors have the highest mean monthly incomes (17197 and 15750 respectively) and are the most experienced employees with 13.8 and 10.2 years with the company.</a:t>
-            </a:r>
-          </a:p>
-          <a:p>
-            <a:r>
-              <a:rPr lang="en-US" sz="2200" dirty="0">
-                <a:solidFill>
-                  <a:schemeClr val="bg1"/>
-                </a:solidFill>
-              </a:rPr>
-              <a:t>Healthcare Representatives have the highest mean job satisfaction score (2.83), even with the highest mean distance from home (9.8).</a:t>
-            </a:r>
-          </a:p>
-        </p:txBody>
-      </p:sp>
+            <a:off x="2209800" y="5738691"/>
+            <a:ext cx="7772400" cy="0"/>
+          </a:xfrm>
+          <a:prstGeom prst="line">
+            <a:avLst/>
+          </a:prstGeom>
+          <a:ln w="22225">
+            <a:solidFill>
+              <a:srgbClr val="D9D9D9"/>
+            </a:solidFill>
+          </a:ln>
+        </p:spPr>
+        <p:style>
+          <a:lnRef idx="1">
+            <a:schemeClr val="accent1"/>
+          </a:lnRef>
+          <a:fillRef idx="0">
+            <a:schemeClr val="accent1"/>
+          </a:fillRef>
+          <a:effectRef idx="0">
+            <a:schemeClr val="accent1"/>
+          </a:effectRef>
+          <a:fontRef idx="minor">
+            <a:schemeClr val="tx1"/>
+          </a:fontRef>
+        </p:style>
+      </p:cxnSp>
     </p:spTree>
     <p:extLst>
       <p:ext uri="{BB962C8B-B14F-4D97-AF65-F5344CB8AC3E}">
-        <p14:creationId xmlns:p14="http://schemas.microsoft.com/office/powerpoint/2010/main" val="1887518620"/>
+        <p14:creationId xmlns:p14="http://schemas.microsoft.com/office/powerpoint/2010/main" val="1077774852"/>
       </p:ext>
     </p:extLst>
   </p:cSld>
@@ -4845,10 +4673,10 @@
       </p:grpSpPr>
       <p:sp>
         <p:nvSpPr>
-          <p:cNvPr id="13" name="Down Arrow 7">
-            <a:extLst>
-              <a:ext uri="{FF2B5EF4-FFF2-40B4-BE49-F238E27FC236}">
-                <a16:creationId xmlns:a16="http://schemas.microsoft.com/office/drawing/2014/main" id="{73DE2CFE-42F2-48F0-8706-5264E012B10C}"/>
+          <p:cNvPr id="16" name="Rectangle 15">
+            <a:extLst>
+              <a:ext uri="{FF2B5EF4-FFF2-40B4-BE49-F238E27FC236}">
+                <a16:creationId xmlns:a16="http://schemas.microsoft.com/office/drawing/2014/main" id="{5E52985E-2553-471E-82AA-5ED7A329890A}"/>
               </a:ext>
               <a:ext uri="{C183D7F6-B498-43B3-948B-1728B52AA6E4}">
                 <adec:decorative xmlns:adec="http://schemas.microsoft.com/office/drawing/2017/decorative" val="1"/>
@@ -4866,22 +4694,27 @@
             </p:extLst>
           </p:nvPr>
         </p:nvSpPr>
-        <p:spPr>
-          <a:xfrm rot="16200000">
-            <a:off x="1288521" y="381403"/>
-            <a:ext cx="2200313" cy="3342508"/>
-          </a:xfrm>
-          <a:prstGeom prst="downArrow">
-            <a:avLst>
-              <a:gd name="adj1" fmla="val 100000"/>
-              <a:gd name="adj2" fmla="val 15788"/>
-            </a:avLst>
+        <p:spPr bwMode="ltGray">
+          <a:xfrm>
+            <a:off x="393308" y="4462044"/>
+            <a:ext cx="11438793" cy="1844256"/>
+          </a:xfrm>
+          <a:prstGeom prst="rect">
+            <a:avLst/>
           </a:prstGeom>
           <a:solidFill>
-            <a:srgbClr val="404040"/>
+            <a:schemeClr val="tx1">
+              <a:lumMod val="75000"/>
+              <a:lumOff val="25000"/>
+            </a:schemeClr>
           </a:solidFill>
-          <a:ln w="53975">
-            <a:noFill/>
+          <a:ln w="127000" cap="sq" cmpd="thinThick">
+            <a:solidFill>
+              <a:schemeClr val="tx1">
+                <a:lumMod val="75000"/>
+                <a:lumOff val="25000"/>
+              </a:schemeClr>
+            </a:solidFill>
           </a:ln>
         </p:spPr>
         <p:style>
@@ -4943,7 +4776,7 @@
           <p:cNvPr id="2" name="Title 1">
             <a:extLst>
               <a:ext uri="{FF2B5EF4-FFF2-40B4-BE49-F238E27FC236}">
-                <a16:creationId xmlns:a16="http://schemas.microsoft.com/office/drawing/2014/main" id="{B16DE02F-C656-7D4B-BF38-60B5EC9B7110}"/>
+                <a16:creationId xmlns:a16="http://schemas.microsoft.com/office/drawing/2014/main" id="{E53FF7D9-F951-004C-BBDE-155A0F36CB38}"/>
               </a:ext>
             </a:extLst>
           </p:cNvPr>
@@ -4956,80 +4789,37 @@
         </p:nvSpPr>
         <p:spPr>
           <a:xfrm>
-            <a:off x="966952" y="1204108"/>
-            <a:ext cx="2669406" cy="1781175"/>
-          </a:xfrm>
-        </p:spPr>
-        <p:txBody>
-          <a:bodyPr>
+            <a:off x="649270" y="4615840"/>
+            <a:ext cx="3885141" cy="1526741"/>
+          </a:xfrm>
+        </p:spPr>
+        <p:txBody>
+          <a:bodyPr vert="horz" lIns="91440" tIns="45720" rIns="91440" bIns="45720" rtlCol="0">
             <a:normAutofit/>
           </a:bodyPr>
           <a:lstStyle/>
           <a:p>
-            <a:r>
-              <a:rPr lang="en-US" sz="3200">
+            <a:pPr algn="r"/>
+            <a:r>
+              <a:rPr lang="en-US" sz="3000" kern="1200">
                 <a:solidFill>
-                  <a:srgbClr val="FFFFFF"/>
+                  <a:schemeClr val="bg1"/>
                 </a:solidFill>
+                <a:latin typeface="+mj-lt"/>
+                <a:ea typeface="+mj-ea"/>
+                <a:cs typeface="+mj-cs"/>
               </a:rPr>
-              <a:t>Additional Insight</a:t>
-            </a:r>
-          </a:p>
-        </p:txBody>
-      </p:sp>
-      <p:sp>
-        <p:nvSpPr>
-          <p:cNvPr id="10" name="Content Placeholder 9">
-            <a:extLst>
-              <a:ext uri="{FF2B5EF4-FFF2-40B4-BE49-F238E27FC236}">
-                <a16:creationId xmlns:a16="http://schemas.microsoft.com/office/drawing/2014/main" id="{4A865818-B91A-463D-B645-DB13FEF2FCB1}"/>
-              </a:ext>
-            </a:extLst>
-          </p:cNvPr>
-          <p:cNvSpPr>
-            <a:spLocks noGrp="1"/>
-          </p:cNvSpPr>
-          <p:nvPr>
-            <p:ph idx="1"/>
-          </p:nvPr>
-        </p:nvSpPr>
-        <p:spPr>
-          <a:xfrm>
-            <a:off x="966951" y="3355130"/>
-            <a:ext cx="2669407" cy="2427333"/>
-          </a:xfrm>
-        </p:spPr>
-        <p:txBody>
-          <a:bodyPr>
-            <a:normAutofit/>
-          </a:bodyPr>
-          <a:lstStyle/>
-          <a:p>
-            <a:r>
-              <a:rPr lang="en-US" sz="1600" dirty="0"/>
-              <a:t>Job satisfaction did not appear have significant impact on attrition. </a:t>
-            </a:r>
-          </a:p>
-          <a:p>
-            <a:r>
-              <a:rPr lang="en-US" sz="1600" dirty="0"/>
-              <a:t>Managers and Directors saw very little attrition regardless of satisfaction score. </a:t>
-            </a:r>
-          </a:p>
-          <a:p>
-            <a:r>
-              <a:rPr lang="en-US" sz="1600" dirty="0"/>
-              <a:t>Increase wages to decrease attrition.</a:t>
+              <a:t>Job Role Trends</a:t>
             </a:r>
           </a:p>
         </p:txBody>
       </p:sp>
       <p:pic>
         <p:nvPicPr>
-          <p:cNvPr id="6" name="Content Placeholder 5">
-            <a:extLst>
-              <a:ext uri="{FF2B5EF4-FFF2-40B4-BE49-F238E27FC236}">
-                <a16:creationId xmlns:a16="http://schemas.microsoft.com/office/drawing/2014/main" id="{05E3FBCB-9787-004B-B9B7-C8C42A43845B}"/>
+          <p:cNvPr id="6" name="Picture 5">
+            <a:extLst>
+              <a:ext uri="{FF2B5EF4-FFF2-40B4-BE49-F238E27FC236}">
+                <a16:creationId xmlns:a16="http://schemas.microsoft.com/office/drawing/2014/main" id="{468A6832-A614-D94B-9419-2942E504ACA7}"/>
               </a:ext>
             </a:extLst>
           </p:cNvPr>
@@ -5039,25 +4829,168 @@
           <p:nvPr/>
         </p:nvPicPr>
         <p:blipFill>
-          <a:blip r:embed="rId2"/>
+          <a:blip r:embed="rId3"/>
           <a:stretch>
             <a:fillRect/>
           </a:stretch>
         </p:blipFill>
         <p:spPr>
           <a:xfrm>
-            <a:off x="4915312" y="952500"/>
-            <a:ext cx="6397302" cy="4829963"/>
+            <a:off x="6514708" y="1636363"/>
+            <a:ext cx="5559480" cy="1653945"/>
           </a:xfrm>
           <a:prstGeom prst="rect">
             <a:avLst/>
           </a:prstGeom>
         </p:spPr>
       </p:pic>
+      <p:pic>
+        <p:nvPicPr>
+          <p:cNvPr id="4" name="Content Placeholder 3">
+            <a:extLst>
+              <a:ext uri="{FF2B5EF4-FFF2-40B4-BE49-F238E27FC236}">
+                <a16:creationId xmlns:a16="http://schemas.microsoft.com/office/drawing/2014/main" id="{9033935E-10A5-D740-B491-E9499268A5F9}"/>
+              </a:ext>
+            </a:extLst>
+          </p:cNvPr>
+          <p:cNvPicPr>
+            <a:picLocks noChangeAspect="1"/>
+          </p:cNvPicPr>
+          <p:nvPr/>
+        </p:nvPicPr>
+        <p:blipFill>
+          <a:blip r:embed="rId4"/>
+          <a:stretch>
+            <a:fillRect/>
+          </a:stretch>
+        </p:blipFill>
+        <p:spPr>
+          <a:xfrm>
+            <a:off x="306433" y="419101"/>
+            <a:ext cx="6208275" cy="3616320"/>
+          </a:xfrm>
+          <a:prstGeom prst="rect">
+            <a:avLst/>
+          </a:prstGeom>
+        </p:spPr>
+      </p:pic>
+      <p:cxnSp>
+        <p:nvCxnSpPr>
+          <p:cNvPr id="18" name="Straight Connector 17">
+            <a:extLst>
+              <a:ext uri="{FF2B5EF4-FFF2-40B4-BE49-F238E27FC236}">
+                <a16:creationId xmlns:a16="http://schemas.microsoft.com/office/drawing/2014/main" id="{DAE3ABC6-4042-4293-A7DF-F01181363B7E}"/>
+              </a:ext>
+              <a:ext uri="{C183D7F6-B498-43B3-948B-1728B52AA6E4}">
+                <adec:decorative xmlns:adec="http://schemas.microsoft.com/office/drawing/2017/decorative" val="1"/>
+              </a:ext>
+            </a:extLst>
+          </p:cNvPr>
+          <p:cNvCxnSpPr>
+            <a:cxnSpLocks noGrp="1" noRot="1" noChangeAspect="1" noMove="1" noResize="1" noEditPoints="1" noAdjustHandles="1" noChangeArrowheads="1" noChangeShapeType="1"/>
+          </p:cNvCxnSpPr>
+          <p:nvPr>
+            <p:extLst>
+              <p:ext uri="{386F3935-93C4-4BCD-93E2-E3B085C9AB24}">
+                <p16:designElem xmlns:p16="http://schemas.microsoft.com/office/powerpoint/2015/main" val="1"/>
+              </p:ext>
+            </p:extLst>
+          </p:nvPr>
+        </p:nvCxnSpPr>
+        <p:spPr>
+          <a:xfrm flipV="1">
+            <a:off x="4739873" y="4690076"/>
+            <a:ext cx="0" cy="1371600"/>
+          </a:xfrm>
+          <a:prstGeom prst="line">
+            <a:avLst/>
+          </a:prstGeom>
+          <a:ln w="19050">
+            <a:solidFill>
+              <a:schemeClr val="bg1">
+                <a:alpha val="75000"/>
+              </a:schemeClr>
+            </a:solidFill>
+          </a:ln>
+        </p:spPr>
+        <p:style>
+          <a:lnRef idx="1">
+            <a:schemeClr val="accent1"/>
+          </a:lnRef>
+          <a:fillRef idx="0">
+            <a:schemeClr val="accent1"/>
+          </a:fillRef>
+          <a:effectRef idx="0">
+            <a:schemeClr val="accent1"/>
+          </a:effectRef>
+          <a:fontRef idx="minor">
+            <a:schemeClr val="tx1"/>
+          </a:fontRef>
+        </p:style>
+      </p:cxnSp>
+      <p:sp>
+        <p:nvSpPr>
+          <p:cNvPr id="13" name="Content Placeholder 12">
+            <a:extLst>
+              <a:ext uri="{FF2B5EF4-FFF2-40B4-BE49-F238E27FC236}">
+                <a16:creationId xmlns:a16="http://schemas.microsoft.com/office/drawing/2014/main" id="{EBB47842-869C-4DC9-95B1-2BD17E8318E9}"/>
+              </a:ext>
+            </a:extLst>
+          </p:cNvPr>
+          <p:cNvSpPr>
+            <a:spLocks noGrp="1"/>
+          </p:cNvSpPr>
+          <p:nvPr>
+            <p:ph idx="1"/>
+          </p:nvPr>
+        </p:nvSpPr>
+        <p:spPr>
+          <a:xfrm>
+            <a:off x="4945336" y="4615840"/>
+            <a:ext cx="6609921" cy="1526741"/>
+          </a:xfrm>
+        </p:spPr>
+        <p:txBody>
+          <a:bodyPr anchor="ctr">
+            <a:normAutofit fontScale="55000" lnSpcReduction="20000"/>
+          </a:bodyPr>
+          <a:lstStyle/>
+          <a:p>
+            <a:r>
+              <a:rPr lang="en-US" sz="2200" dirty="0">
+                <a:solidFill>
+                  <a:schemeClr val="bg1"/>
+                </a:solidFill>
+              </a:rPr>
+              <a:t>Sales Representatives have the lowest mean monthly income (2653), lowest mean education level (2.45) and are the least experienced employees with a mean of 2.9 years with the company.</a:t>
+            </a:r>
+          </a:p>
+          <a:p>
+            <a:r>
+              <a:rPr lang="en-US" sz="2200" dirty="0">
+                <a:solidFill>
+                  <a:schemeClr val="bg1"/>
+                </a:solidFill>
+              </a:rPr>
+              <a:t>Mangers and Research Directors have the highest mean monthly incomes (17197 and 15750 respectively) and are the most experienced employees with 13.8 and 10.2 years with the company.</a:t>
+            </a:r>
+          </a:p>
+          <a:p>
+            <a:r>
+              <a:rPr lang="en-US" sz="2200" dirty="0">
+                <a:solidFill>
+                  <a:schemeClr val="bg1"/>
+                </a:solidFill>
+              </a:rPr>
+              <a:t>Healthcare Representatives have the highest mean job satisfaction score (2.83), even with the highest mean distance from home (9.8).</a:t>
+            </a:r>
+          </a:p>
+        </p:txBody>
+      </p:sp>
     </p:spTree>
     <p:extLst>
       <p:ext uri="{BB962C8B-B14F-4D97-AF65-F5344CB8AC3E}">
-        <p14:creationId xmlns:p14="http://schemas.microsoft.com/office/powerpoint/2010/main" val="4109771278"/>
+        <p14:creationId xmlns:p14="http://schemas.microsoft.com/office/powerpoint/2010/main" val="1887518620"/>
       </p:ext>
     </p:extLst>
   </p:cSld>
@@ -5094,7 +5027,7 @@
       </p:grpSpPr>
       <p:sp>
         <p:nvSpPr>
-          <p:cNvPr id="17" name="Down Arrow 7">
+          <p:cNvPr id="13" name="Down Arrow 7">
             <a:extLst>
               <a:ext uri="{FF2B5EF4-FFF2-40B4-BE49-F238E27FC236}">
                 <a16:creationId xmlns:a16="http://schemas.microsoft.com/office/drawing/2014/main" id="{73DE2CFE-42F2-48F0-8706-5264E012B10C}"/>
@@ -5192,7 +5125,7 @@
           <p:cNvPr id="2" name="Title 1">
             <a:extLst>
               <a:ext uri="{FF2B5EF4-FFF2-40B4-BE49-F238E27FC236}">
-                <a16:creationId xmlns:a16="http://schemas.microsoft.com/office/drawing/2014/main" id="{F0088736-6375-BA42-BC32-59C53FE994D3}"/>
+                <a16:creationId xmlns:a16="http://schemas.microsoft.com/office/drawing/2014/main" id="{B16DE02F-C656-7D4B-BF38-60B5EC9B7110}"/>
               </a:ext>
             </a:extLst>
           </p:cNvPr>
@@ -5216,22 +5149,22 @@
           <a:lstStyle/>
           <a:p>
             <a:r>
-              <a:rPr lang="en-US" sz="3200" dirty="0">
+              <a:rPr lang="en-US" sz="3200">
                 <a:solidFill>
                   <a:srgbClr val="FFFFFF"/>
                 </a:solidFill>
               </a:rPr>
-              <a:t>Attrition Classification Model</a:t>
-            </a:r>
-          </a:p>
-        </p:txBody>
-      </p:sp>
-      <p:sp>
-        <p:nvSpPr>
-          <p:cNvPr id="9" name="Content Placeholder 8">
-            <a:extLst>
-              <a:ext uri="{FF2B5EF4-FFF2-40B4-BE49-F238E27FC236}">
-                <a16:creationId xmlns:a16="http://schemas.microsoft.com/office/drawing/2014/main" id="{52E2B8D5-49E6-433A-A82A-78A5A3633931}"/>
+              <a:t>Additional Insight</a:t>
+            </a:r>
+          </a:p>
+        </p:txBody>
+      </p:sp>
+      <p:sp>
+        <p:nvSpPr>
+          <p:cNvPr id="10" name="Content Placeholder 9">
+            <a:extLst>
+              <a:ext uri="{FF2B5EF4-FFF2-40B4-BE49-F238E27FC236}">
+                <a16:creationId xmlns:a16="http://schemas.microsoft.com/office/drawing/2014/main" id="{4A865818-B91A-463D-B645-DB13FEF2FCB1}"/>
               </a:ext>
             </a:extLst>
           </p:cNvPr>
@@ -5256,47 +5189,29 @@
           <a:p>
             <a:r>
               <a:rPr lang="en-US" sz="1600" dirty="0"/>
-              <a:t>KNN Model Results: </a:t>
-            </a:r>
-          </a:p>
-          <a:p>
-            <a:pPr lvl="1"/>
-            <a:r>
-              <a:rPr lang="en-US" sz="1400" dirty="0"/>
-              <a:t>Accuracy = 78%</a:t>
-            </a:r>
-          </a:p>
-          <a:p>
-            <a:pPr lvl="1"/>
-            <a:r>
-              <a:rPr lang="en-US" sz="1400" dirty="0"/>
-              <a:t>Sensitivity = 91%</a:t>
-            </a:r>
-          </a:p>
-          <a:p>
-            <a:pPr lvl="1"/>
-            <a:r>
-              <a:rPr lang="en-US" sz="1400" dirty="0"/>
-              <a:t>Specificity = 7%</a:t>
+              <a:t>Job satisfaction did not appear have significant impact on attrition. </a:t>
             </a:r>
           </a:p>
           <a:p>
             <a:r>
               <a:rPr lang="en-US" sz="1600" dirty="0"/>
-              <a:t>Naive Bayes model provided required metric scores and so can be used as the Attrition classification model.</a:t>
-            </a:r>
-          </a:p>
-          <a:p>
-            <a:endParaRPr lang="en-US" sz="1600" dirty="0"/>
+              <a:t>Managers and Directors saw very little attrition regardless of satisfaction score. </a:t>
+            </a:r>
+          </a:p>
+          <a:p>
+            <a:r>
+              <a:rPr lang="en-US" sz="1600" dirty="0"/>
+              <a:t>Increase wages to decrease attrition.</a:t>
+            </a:r>
           </a:p>
         </p:txBody>
       </p:sp>
       <p:pic>
         <p:nvPicPr>
-          <p:cNvPr id="5" name="Content Placeholder 4">
-            <a:extLst>
-              <a:ext uri="{FF2B5EF4-FFF2-40B4-BE49-F238E27FC236}">
-                <a16:creationId xmlns:a16="http://schemas.microsoft.com/office/drawing/2014/main" id="{866C9C5C-A382-ED43-AECE-50EC7CEE7FE6}"/>
+          <p:cNvPr id="6" name="Content Placeholder 5">
+            <a:extLst>
+              <a:ext uri="{FF2B5EF4-FFF2-40B4-BE49-F238E27FC236}">
+                <a16:creationId xmlns:a16="http://schemas.microsoft.com/office/drawing/2014/main" id="{05E3FBCB-9787-004B-B9B7-C8C42A43845B}"/>
               </a:ext>
             </a:extLst>
           </p:cNvPr>
@@ -5313,8 +5228,8 @@
         </p:blipFill>
         <p:spPr>
           <a:xfrm>
-            <a:off x="6096000" y="1104900"/>
-            <a:ext cx="3423771" cy="4829963"/>
+            <a:off x="4915312" y="952500"/>
+            <a:ext cx="6397302" cy="4829963"/>
           </a:xfrm>
           <a:prstGeom prst="rect">
             <a:avLst/>
@@ -5324,7 +5239,7 @@
     </p:spTree>
     <p:extLst>
       <p:ext uri="{BB962C8B-B14F-4D97-AF65-F5344CB8AC3E}">
-        <p14:creationId xmlns:p14="http://schemas.microsoft.com/office/powerpoint/2010/main" val="3131294131"/>
+        <p14:creationId xmlns:p14="http://schemas.microsoft.com/office/powerpoint/2010/main" val="4109771278"/>
       </p:ext>
     </p:extLst>
   </p:cSld>
@@ -5361,7 +5276,7 @@
       </p:grpSpPr>
       <p:sp>
         <p:nvSpPr>
-          <p:cNvPr id="12" name="Down Arrow 7">
+          <p:cNvPr id="17" name="Down Arrow 7">
             <a:extLst>
               <a:ext uri="{FF2B5EF4-FFF2-40B4-BE49-F238E27FC236}">
                 <a16:creationId xmlns:a16="http://schemas.microsoft.com/office/drawing/2014/main" id="{73DE2CFE-42F2-48F0-8706-5264E012B10C}"/>
@@ -5384,13 +5299,13 @@
         </p:nvSpPr>
         <p:spPr>
           <a:xfrm rot="16200000">
-            <a:off x="5662795" y="-3745097"/>
-            <a:ext cx="1354979" cy="10750169"/>
+            <a:off x="1288521" y="381403"/>
+            <a:ext cx="2200313" cy="3342508"/>
           </a:xfrm>
           <a:prstGeom prst="downArrow">
             <a:avLst>
               <a:gd name="adj1" fmla="val 100000"/>
-              <a:gd name="adj2" fmla="val 22582"/>
+              <a:gd name="adj2" fmla="val 15788"/>
             </a:avLst>
           </a:prstGeom>
           <a:solidFill>
@@ -5459,7 +5374,7 @@
           <p:cNvPr id="2" name="Title 1">
             <a:extLst>
               <a:ext uri="{FF2B5EF4-FFF2-40B4-BE49-F238E27FC236}">
-                <a16:creationId xmlns:a16="http://schemas.microsoft.com/office/drawing/2014/main" id="{6B0328ED-9B9F-1446-98EE-53714DAC7F89}"/>
+                <a16:creationId xmlns:a16="http://schemas.microsoft.com/office/drawing/2014/main" id="{F0088736-6375-BA42-BC32-59C53FE994D3}"/>
               </a:ext>
             </a:extLst>
           </p:cNvPr>
@@ -5472,8 +5387,8 @@
         </p:nvSpPr>
         <p:spPr>
           <a:xfrm>
-            <a:off x="1286932" y="1204109"/>
-            <a:ext cx="10023398" cy="857894"/>
+            <a:off x="966952" y="1204108"/>
+            <a:ext cx="2669406" cy="1781175"/>
           </a:xfrm>
         </p:spPr>
         <p:txBody>
@@ -5483,12 +5398,12 @@
           <a:lstStyle/>
           <a:p>
             <a:r>
-              <a:rPr lang="en-US" sz="4000">
+              <a:rPr lang="en-US" sz="3200" dirty="0">
                 <a:solidFill>
                   <a:srgbClr val="FFFFFF"/>
                 </a:solidFill>
               </a:rPr>
-              <a:t>Monthly Income Regression Model</a:t>
+              <a:t>Attrition Classification Model</a:t>
             </a:r>
           </a:p>
         </p:txBody>
@@ -5498,7 +5413,7 @@
           <p:cNvPr id="9" name="Content Placeholder 8">
             <a:extLst>
               <a:ext uri="{FF2B5EF4-FFF2-40B4-BE49-F238E27FC236}">
-                <a16:creationId xmlns:a16="http://schemas.microsoft.com/office/drawing/2014/main" id="{284A8756-CF89-433D-A5FE-F986E77FD236}"/>
+                <a16:creationId xmlns:a16="http://schemas.microsoft.com/office/drawing/2014/main" id="{52E2B8D5-49E6-433A-A82A-78A5A3633931}"/>
               </a:ext>
             </a:extLst>
           </p:cNvPr>
@@ -5511,8 +5426,8 @@
         </p:nvSpPr>
         <p:spPr>
           <a:xfrm>
-            <a:off x="1286931" y="2962451"/>
-            <a:ext cx="2779954" cy="2820012"/>
+            <a:off x="966951" y="3355130"/>
+            <a:ext cx="2669407" cy="2427333"/>
           </a:xfrm>
         </p:spPr>
         <p:txBody>
@@ -5523,20 +5438,38 @@
           <a:p>
             <a:r>
               <a:rPr lang="en-US" sz="1600" dirty="0"/>
-              <a:t>RMSE = 1327.05</a:t>
+              <a:t>KNN Model Results: </a:t>
+            </a:r>
+          </a:p>
+          <a:p>
+            <a:pPr lvl="1"/>
+            <a:r>
+              <a:rPr lang="en-US" sz="1400" dirty="0"/>
+              <a:t>Accuracy = 78%</a:t>
+            </a:r>
+          </a:p>
+          <a:p>
+            <a:pPr lvl="1"/>
+            <a:r>
+              <a:rPr lang="en-US" sz="1400" dirty="0"/>
+              <a:t>Sensitivity = 91%</a:t>
+            </a:r>
+          </a:p>
+          <a:p>
+            <a:pPr lvl="1"/>
+            <a:r>
+              <a:rPr lang="en-US" sz="1400" dirty="0"/>
+              <a:t>Specificity = 7%</a:t>
             </a:r>
           </a:p>
           <a:p>
             <a:r>
               <a:rPr lang="en-US" sz="1600" dirty="0"/>
-              <a:t>Variables to considered were selected after reviewing data during EDA. </a:t>
-            </a:r>
-          </a:p>
-          <a:p>
-            <a:r>
-              <a:rPr lang="en-US" sz="1600" dirty="0"/>
-              <a:t>Job Level seems to hold the most significance when predicting monthly income (p-value = &lt;2e-16).</a:t>
-            </a:r>
+              <a:t>Naive Bayes model provided required metric scores and so can be used as the Attrition classification model.</a:t>
+            </a:r>
+          </a:p>
+          <a:p>
+            <a:endParaRPr lang="en-US" sz="1600" dirty="0"/>
           </a:p>
         </p:txBody>
       </p:sp>
@@ -5545,7 +5478,7 @@
           <p:cNvPr id="5" name="Content Placeholder 4">
             <a:extLst>
               <a:ext uri="{FF2B5EF4-FFF2-40B4-BE49-F238E27FC236}">
-                <a16:creationId xmlns:a16="http://schemas.microsoft.com/office/drawing/2014/main" id="{6F24B8FE-533B-E248-8F3E-E1D9FAFC6A61}"/>
+                <a16:creationId xmlns:a16="http://schemas.microsoft.com/office/drawing/2014/main" id="{866C9C5C-A382-ED43-AECE-50EC7CEE7FE6}"/>
               </a:ext>
             </a:extLst>
           </p:cNvPr>
@@ -5562,18 +5495,572 @@
         </p:blipFill>
         <p:spPr>
           <a:xfrm>
-            <a:off x="5993658" y="2962451"/>
-            <a:ext cx="4028588" cy="2820012"/>
+            <a:off x="6096000" y="1104900"/>
+            <a:ext cx="3423771" cy="4829963"/>
           </a:xfrm>
           <a:prstGeom prst="rect">
             <a:avLst/>
           </a:prstGeom>
+        </p:spPr>
+      </p:pic>
+    </p:spTree>
+    <p:extLst>
+      <p:ext uri="{BB962C8B-B14F-4D97-AF65-F5344CB8AC3E}">
+        <p14:creationId xmlns:p14="http://schemas.microsoft.com/office/powerpoint/2010/main" val="3131294131"/>
+      </p:ext>
+    </p:extLst>
+  </p:cSld>
+  <p:clrMapOvr>
+    <a:masterClrMapping/>
+  </p:clrMapOvr>
+</p:sld>
+</file>
+
+<file path=ppt/slides/slide8.xml><?xml version="1.0" encoding="utf-8"?>
+<p:sld xmlns:a="http://schemas.openxmlformats.org/drawingml/2006/main" xmlns:r="http://schemas.openxmlformats.org/officeDocument/2006/relationships" xmlns:p="http://schemas.openxmlformats.org/presentationml/2006/main">
+  <p:cSld>
+    <p:bg>
+      <p:bgPr>
+        <a:solidFill>
+          <a:schemeClr val="bg1"/>
+        </a:solidFill>
+        <a:effectLst/>
+      </p:bgPr>
+    </p:bg>
+    <p:spTree>
+      <p:nvGrpSpPr>
+        <p:cNvPr id="1" name=""/>
+        <p:cNvGrpSpPr/>
+        <p:nvPr/>
+      </p:nvGrpSpPr>
+      <p:grpSpPr>
+        <a:xfrm>
+          <a:off x="0" y="0"/>
+          <a:ext cx="0" cy="0"/>
+          <a:chOff x="0" y="0"/>
+          <a:chExt cx="0" cy="0"/>
+        </a:xfrm>
+      </p:grpSpPr>
+      <p:sp>
+        <p:nvSpPr>
+          <p:cNvPr id="71" name="Rectangle 70">
+            <a:extLst>
+              <a:ext uri="{FF2B5EF4-FFF2-40B4-BE49-F238E27FC236}">
+                <a16:creationId xmlns:a16="http://schemas.microsoft.com/office/drawing/2014/main" id="{5E52985E-2553-471E-82AA-5ED7A329890A}"/>
+              </a:ext>
+              <a:ext uri="{C183D7F6-B498-43B3-948B-1728B52AA6E4}">
+                <adec:decorative xmlns:adec="http://schemas.microsoft.com/office/drawing/2017/decorative" val="1"/>
+              </a:ext>
+            </a:extLst>
+          </p:cNvPr>
+          <p:cNvSpPr>
+            <a:spLocks noGrp="1" noRot="1" noChangeAspect="1" noMove="1" noResize="1" noEditPoints="1" noAdjustHandles="1" noChangeArrowheads="1" noChangeShapeType="1" noTextEdit="1"/>
+          </p:cNvSpPr>
+          <p:nvPr>
+            <p:extLst>
+              <p:ext uri="{386F3935-93C4-4BCD-93E2-E3B085C9AB24}">
+                <p16:designElem xmlns:p16="http://schemas.microsoft.com/office/powerpoint/2015/main" val="1"/>
+              </p:ext>
+            </p:extLst>
+          </p:nvPr>
+        </p:nvSpPr>
+        <p:spPr bwMode="ltGray">
+          <a:xfrm>
+            <a:off x="393308" y="352931"/>
+            <a:ext cx="11438793" cy="1844256"/>
+          </a:xfrm>
+          <a:prstGeom prst="rect">
+            <a:avLst/>
+          </a:prstGeom>
+          <a:solidFill>
+            <a:schemeClr val="tx1">
+              <a:lumMod val="75000"/>
+              <a:lumOff val="25000"/>
+            </a:schemeClr>
+          </a:solidFill>
+          <a:ln w="127000" cap="sq" cmpd="thinThick">
+            <a:solidFill>
+              <a:schemeClr val="tx1">
+                <a:lumMod val="75000"/>
+                <a:lumOff val="25000"/>
+              </a:schemeClr>
+            </a:solidFill>
+          </a:ln>
+        </p:spPr>
+        <p:style>
+          <a:lnRef idx="2">
+            <a:schemeClr val="accent1">
+              <a:shade val="50000"/>
+            </a:schemeClr>
+          </a:lnRef>
+          <a:fillRef idx="1">
+            <a:schemeClr val="accent1"/>
+          </a:fillRef>
+          <a:effectRef idx="0">
+            <a:schemeClr val="accent1"/>
+          </a:effectRef>
+          <a:fontRef idx="minor">
+            <a:schemeClr val="lt1"/>
+          </a:fontRef>
+        </p:style>
+        <p:txBody>
+          <a:bodyPr rtlCol="0" anchor="ctr"/>
+          <a:lstStyle/>
+          <a:p>
+            <a:pPr marL="0" marR="0" lvl="0" indent="0" algn="ctr" defTabSz="914400" rtl="0" eaLnBrk="1" fontAlgn="auto" latinLnBrk="0" hangingPunct="1">
+              <a:lnSpc>
+                <a:spcPct val="100000"/>
+              </a:lnSpc>
+              <a:spcBef>
+                <a:spcPts val="0"/>
+              </a:spcBef>
+              <a:spcAft>
+                <a:spcPts val="0"/>
+              </a:spcAft>
+              <a:buClrTx/>
+              <a:buSzTx/>
+              <a:buFontTx/>
+              <a:buNone/>
+              <a:tabLst/>
+              <a:defRPr/>
+            </a:pPr>
+            <a:endParaRPr kumimoji="0" lang="en-US" sz="1800" b="0" i="0" u="none" strike="noStrike" kern="1200" cap="none" spc="0" normalizeH="0" baseline="0" noProof="0">
+              <a:ln>
+                <a:noFill/>
+              </a:ln>
+              <a:solidFill>
+                <a:prstClr val="white"/>
+              </a:solidFill>
+              <a:effectLst/>
+              <a:uLnTx/>
+              <a:uFillTx/>
+              <a:latin typeface="Calibri" panose="020F0502020204030204"/>
+              <a:ea typeface="+mn-ea"/>
+              <a:cs typeface="+mn-cs"/>
+            </a:endParaRPr>
+          </a:p>
+        </p:txBody>
+      </p:sp>
+      <p:sp>
+        <p:nvSpPr>
+          <p:cNvPr id="2" name="Title 1">
+            <a:extLst>
+              <a:ext uri="{FF2B5EF4-FFF2-40B4-BE49-F238E27FC236}">
+                <a16:creationId xmlns:a16="http://schemas.microsoft.com/office/drawing/2014/main" id="{6B0328ED-9B9F-1446-98EE-53714DAC7F89}"/>
+              </a:ext>
+            </a:extLst>
+          </p:cNvPr>
+          <p:cNvSpPr>
+            <a:spLocks noGrp="1"/>
+          </p:cNvSpPr>
+          <p:nvPr>
+            <p:ph type="title"/>
+          </p:nvPr>
+        </p:nvSpPr>
+        <p:spPr>
+          <a:xfrm>
+            <a:off x="649270" y="506727"/>
+            <a:ext cx="3885141" cy="1526741"/>
+          </a:xfrm>
+        </p:spPr>
+        <p:txBody>
+          <a:bodyPr>
+            <a:normAutofit/>
+          </a:bodyPr>
+          <a:lstStyle/>
+          <a:p>
+            <a:pPr algn="r"/>
+            <a:r>
+              <a:rPr lang="en-US" sz="3000">
+                <a:solidFill>
+                  <a:schemeClr val="bg1"/>
+                </a:solidFill>
+              </a:rPr>
+              <a:t>Monthly Income Regression Model</a:t>
+            </a:r>
+          </a:p>
+        </p:txBody>
+      </p:sp>
+      <p:cxnSp>
+        <p:nvCxnSpPr>
+          <p:cNvPr id="73" name="Straight Connector 72">
+            <a:extLst>
+              <a:ext uri="{FF2B5EF4-FFF2-40B4-BE49-F238E27FC236}">
+                <a16:creationId xmlns:a16="http://schemas.microsoft.com/office/drawing/2014/main" id="{DAE3ABC6-4042-4293-A7DF-F01181363B7E}"/>
+              </a:ext>
+              <a:ext uri="{C183D7F6-B498-43B3-948B-1728B52AA6E4}">
+                <adec:decorative xmlns:adec="http://schemas.microsoft.com/office/drawing/2017/decorative" val="1"/>
+              </a:ext>
+            </a:extLst>
+          </p:cNvPr>
+          <p:cNvCxnSpPr>
+            <a:cxnSpLocks noGrp="1" noRot="1" noChangeAspect="1" noMove="1" noResize="1" noEditPoints="1" noAdjustHandles="1" noChangeArrowheads="1" noChangeShapeType="1"/>
+          </p:cNvCxnSpPr>
+          <p:nvPr>
+            <p:extLst>
+              <p:ext uri="{386F3935-93C4-4BCD-93E2-E3B085C9AB24}">
+                <p16:designElem xmlns:p16="http://schemas.microsoft.com/office/powerpoint/2015/main" val="1"/>
+              </p:ext>
+            </p:extLst>
+          </p:nvPr>
+        </p:nvCxnSpPr>
+        <p:spPr>
+          <a:xfrm flipV="1">
+            <a:off x="4739873" y="580963"/>
+            <a:ext cx="0" cy="1371600"/>
+          </a:xfrm>
+          <a:prstGeom prst="line">
+            <a:avLst/>
+          </a:prstGeom>
+          <a:ln w="19050">
+            <a:solidFill>
+              <a:schemeClr val="bg1">
+                <a:alpha val="75000"/>
+              </a:schemeClr>
+            </a:solidFill>
+          </a:ln>
+        </p:spPr>
+        <p:style>
+          <a:lnRef idx="1">
+            <a:schemeClr val="accent1"/>
+          </a:lnRef>
+          <a:fillRef idx="0">
+            <a:schemeClr val="accent1"/>
+          </a:fillRef>
+          <a:effectRef idx="0">
+            <a:schemeClr val="accent1"/>
+          </a:effectRef>
+          <a:fontRef idx="minor">
+            <a:schemeClr val="tx1"/>
+          </a:fontRef>
+        </p:style>
+      </p:cxnSp>
+      <p:sp>
+        <p:nvSpPr>
+          <p:cNvPr id="9" name="Content Placeholder 8">
+            <a:extLst>
+              <a:ext uri="{FF2B5EF4-FFF2-40B4-BE49-F238E27FC236}">
+                <a16:creationId xmlns:a16="http://schemas.microsoft.com/office/drawing/2014/main" id="{284A8756-CF89-433D-A5FE-F986E77FD236}"/>
+              </a:ext>
+            </a:extLst>
+          </p:cNvPr>
+          <p:cNvSpPr>
+            <a:spLocks noGrp="1"/>
+          </p:cNvSpPr>
+          <p:nvPr>
+            <p:ph idx="1"/>
+          </p:nvPr>
+        </p:nvSpPr>
+        <p:spPr>
+          <a:xfrm>
+            <a:off x="4945336" y="506727"/>
+            <a:ext cx="6609921" cy="1526741"/>
+          </a:xfrm>
+        </p:spPr>
+        <p:txBody>
+          <a:bodyPr anchor="ctr">
+            <a:normAutofit/>
+          </a:bodyPr>
+          <a:lstStyle/>
+          <a:p>
+            <a:r>
+              <a:rPr lang="en-US" sz="1700">
+                <a:solidFill>
+                  <a:schemeClr val="bg1"/>
+                </a:solidFill>
+              </a:rPr>
+              <a:t>RMSE = 1327.05</a:t>
+            </a:r>
+          </a:p>
+          <a:p>
+            <a:r>
+              <a:rPr lang="en-US" sz="1700">
+                <a:solidFill>
+                  <a:schemeClr val="bg1"/>
+                </a:solidFill>
+              </a:rPr>
+              <a:t>Variables to considered were selected after reviewing data during EDA. </a:t>
+            </a:r>
+          </a:p>
+          <a:p>
+            <a:r>
+              <a:rPr lang="en-US" sz="1700">
+                <a:solidFill>
+                  <a:schemeClr val="bg1"/>
+                </a:solidFill>
+              </a:rPr>
+              <a:t>Job Level seems to hold the most significance when predicting monthly income (p-value = &lt;2e-16).</a:t>
+            </a:r>
+          </a:p>
+        </p:txBody>
+      </p:sp>
+      <p:pic>
+        <p:nvPicPr>
+          <p:cNvPr id="5" name="Content Placeholder 4">
+            <a:extLst>
+              <a:ext uri="{FF2B5EF4-FFF2-40B4-BE49-F238E27FC236}">
+                <a16:creationId xmlns:a16="http://schemas.microsoft.com/office/drawing/2014/main" id="{6F24B8FE-533B-E248-8F3E-E1D9FAFC6A61}"/>
+              </a:ext>
+            </a:extLst>
+          </p:cNvPr>
+          <p:cNvPicPr>
+            <a:picLocks noChangeAspect="1"/>
+          </p:cNvPicPr>
+          <p:nvPr/>
+        </p:nvPicPr>
+        <p:blipFill>
+          <a:blip r:embed="rId2"/>
+          <a:stretch>
+            <a:fillRect/>
+          </a:stretch>
+        </p:blipFill>
+        <p:spPr>
+          <a:xfrm>
+            <a:off x="495162" y="2523915"/>
+            <a:ext cx="5355771" cy="3749040"/>
+          </a:xfrm>
+          <a:prstGeom prst="rect">
+            <a:avLst/>
+          </a:prstGeom>
+        </p:spPr>
+      </p:pic>
+      <p:pic>
+        <p:nvPicPr>
+          <p:cNvPr id="7170" name="Picture 2">
+            <a:extLst>
+              <a:ext uri="{FF2B5EF4-FFF2-40B4-BE49-F238E27FC236}">
+                <a16:creationId xmlns:a16="http://schemas.microsoft.com/office/drawing/2014/main" id="{7C6DB8C8-8AA9-4C40-869F-4708A300536D}"/>
+              </a:ext>
+            </a:extLst>
+          </p:cNvPr>
+          <p:cNvPicPr>
+            <a:picLocks noChangeAspect="1" noChangeArrowheads="1"/>
+          </p:cNvPicPr>
+          <p:nvPr/>
+        </p:nvPicPr>
+        <p:blipFill>
+          <a:blip r:embed="rId3">
+            <a:extLst>
+              <a:ext uri="{28A0092B-C50C-407E-A947-70E740481C1C}">
+                <a14:useLocalDpi xmlns:a14="http://schemas.microsoft.com/office/drawing/2010/main" val="0"/>
+              </a:ext>
+            </a:extLst>
+          </a:blip>
+          <a:stretch>
+            <a:fillRect/>
+          </a:stretch>
+        </p:blipFill>
+        <p:spPr bwMode="auto">
+          <a:xfrm>
+            <a:off x="6403507" y="2527997"/>
+            <a:ext cx="5243412" cy="3749040"/>
+          </a:xfrm>
+          <a:prstGeom prst="rect">
+            <a:avLst/>
+          </a:prstGeom>
+          <a:noFill/>
+          <a:extLst>
+            <a:ext uri="{909E8E84-426E-40DD-AFC4-6F175D3DCCD1}">
+              <a14:hiddenFill xmlns:a14="http://schemas.microsoft.com/office/drawing/2010/main">
+                <a:solidFill>
+                  <a:srgbClr val="FFFFFF"/>
+                </a:solidFill>
+              </a14:hiddenFill>
+            </a:ext>
+          </a:extLst>
         </p:spPr>
       </p:pic>
     </p:spTree>
     <p:extLst>
       <p:ext uri="{BB962C8B-B14F-4D97-AF65-F5344CB8AC3E}">
         <p14:creationId xmlns:p14="http://schemas.microsoft.com/office/powerpoint/2010/main" val="462704804"/>
+      </p:ext>
+    </p:extLst>
+  </p:cSld>
+  <p:clrMapOvr>
+    <a:masterClrMapping/>
+  </p:clrMapOvr>
+</p:sld>
+</file>
+
+<file path=ppt/slides/slide9.xml><?xml version="1.0" encoding="utf-8"?>
+<p:sld xmlns:a="http://schemas.openxmlformats.org/drawingml/2006/main" xmlns:r="http://schemas.openxmlformats.org/officeDocument/2006/relationships" xmlns:p="http://schemas.openxmlformats.org/presentationml/2006/main">
+  <p:cSld>
+    <p:bg>
+      <p:bgPr>
+        <a:solidFill>
+          <a:schemeClr val="bg1"/>
+        </a:solidFill>
+        <a:effectLst/>
+      </p:bgPr>
+    </p:bg>
+    <p:spTree>
+      <p:nvGrpSpPr>
+        <p:cNvPr id="1" name=""/>
+        <p:cNvGrpSpPr/>
+        <p:nvPr/>
+      </p:nvGrpSpPr>
+      <p:grpSpPr>
+        <a:xfrm>
+          <a:off x="0" y="0"/>
+          <a:ext cx="0" cy="0"/>
+          <a:chOff x="0" y="0"/>
+          <a:chExt cx="0" cy="0"/>
+        </a:xfrm>
+      </p:grpSpPr>
+      <p:sp>
+        <p:nvSpPr>
+          <p:cNvPr id="10" name="Down Arrow 7">
+            <a:extLst>
+              <a:ext uri="{FF2B5EF4-FFF2-40B4-BE49-F238E27FC236}">
+                <a16:creationId xmlns:a16="http://schemas.microsoft.com/office/drawing/2014/main" id="{D4771268-CB57-404A-9271-370EB28F6090}"/>
+              </a:ext>
+              <a:ext uri="{C183D7F6-B498-43B3-948B-1728B52AA6E4}">
+                <adec:decorative xmlns:adec="http://schemas.microsoft.com/office/drawing/2017/decorative" val="1"/>
+              </a:ext>
+            </a:extLst>
+          </p:cNvPr>
+          <p:cNvSpPr>
+            <a:spLocks noGrp="1" noRot="1" noChangeAspect="1" noMove="1" noResize="1" noEditPoints="1" noAdjustHandles="1" noChangeArrowheads="1" noChangeShapeType="1" noTextEdit="1"/>
+          </p:cNvSpPr>
+          <p:nvPr>
+            <p:extLst>
+              <p:ext uri="{386F3935-93C4-4BCD-93E2-E3B085C9AB24}">
+                <p16:designElem xmlns:p16="http://schemas.microsoft.com/office/powerpoint/2015/main" val="1"/>
+              </p:ext>
+            </p:extLst>
+          </p:nvPr>
+        </p:nvSpPr>
+        <p:spPr>
+          <a:xfrm rot="16200000">
+            <a:off x="800100" y="1491343"/>
+            <a:ext cx="3333749" cy="3499103"/>
+          </a:xfrm>
+          <a:prstGeom prst="downArrow">
+            <a:avLst>
+              <a:gd name="adj1" fmla="val 100000"/>
+              <a:gd name="adj2" fmla="val 15788"/>
+            </a:avLst>
+          </a:prstGeom>
+          <a:solidFill>
+            <a:srgbClr val="404040"/>
+          </a:solidFill>
+          <a:ln w="53975">
+            <a:noFill/>
+          </a:ln>
+        </p:spPr>
+        <p:style>
+          <a:lnRef idx="2">
+            <a:schemeClr val="accent1">
+              <a:shade val="50000"/>
+            </a:schemeClr>
+          </a:lnRef>
+          <a:fillRef idx="1">
+            <a:schemeClr val="accent1"/>
+          </a:fillRef>
+          <a:effectRef idx="0">
+            <a:schemeClr val="accent1"/>
+          </a:effectRef>
+          <a:fontRef idx="minor">
+            <a:schemeClr val="lt1"/>
+          </a:fontRef>
+        </p:style>
+        <p:txBody>
+          <a:bodyPr rtlCol="0" anchor="ctr"/>
+          <a:lstStyle/>
+          <a:p>
+            <a:pPr algn="ctr"/>
+            <a:endParaRPr lang="en-US"/>
+          </a:p>
+        </p:txBody>
+      </p:sp>
+      <p:sp>
+        <p:nvSpPr>
+          <p:cNvPr id="2" name="Title 1">
+            <a:extLst>
+              <a:ext uri="{FF2B5EF4-FFF2-40B4-BE49-F238E27FC236}">
+                <a16:creationId xmlns:a16="http://schemas.microsoft.com/office/drawing/2014/main" id="{DFC90A61-3990-2B43-B695-2B75B799F897}"/>
+              </a:ext>
+            </a:extLst>
+          </p:cNvPr>
+          <p:cNvSpPr>
+            <a:spLocks noGrp="1"/>
+          </p:cNvSpPr>
+          <p:nvPr>
+            <p:ph type="title"/>
+          </p:nvPr>
+        </p:nvSpPr>
+        <p:spPr>
+          <a:xfrm>
+            <a:off x="1028700" y="1967266"/>
+            <a:ext cx="2628900" cy="2547257"/>
+          </a:xfrm>
+          <a:noFill/>
+        </p:spPr>
+        <p:txBody>
+          <a:bodyPr vert="horz" lIns="91440" tIns="45720" rIns="91440" bIns="45720" rtlCol="0" anchor="ctr">
+            <a:normAutofit/>
+          </a:bodyPr>
+          <a:lstStyle/>
+          <a:p>
+            <a:pPr algn="ctr"/>
+            <a:r>
+              <a:rPr lang="en-US" sz="2000" kern="1200" dirty="0">
+                <a:solidFill>
+                  <a:srgbClr val="FFFFFF"/>
+                </a:solidFill>
+                <a:latin typeface="+mj-lt"/>
+                <a:ea typeface="+mj-ea"/>
+                <a:cs typeface="+mj-cs"/>
+              </a:rPr>
+              <a:t>Questions/Comments?</a:t>
+            </a:r>
+          </a:p>
+        </p:txBody>
+      </p:sp>
+      <p:pic>
+        <p:nvPicPr>
+          <p:cNvPr id="7" name="Graphic 6" descr="Question mark">
+            <a:extLst>
+              <a:ext uri="{FF2B5EF4-FFF2-40B4-BE49-F238E27FC236}">
+                <a16:creationId xmlns:a16="http://schemas.microsoft.com/office/drawing/2014/main" id="{8863B74E-62B6-4C31-A0AF-3C3C584DBD29}"/>
+              </a:ext>
+            </a:extLst>
+          </p:cNvPr>
+          <p:cNvPicPr>
+            <a:picLocks noChangeAspect="1"/>
+          </p:cNvPicPr>
+          <p:nvPr/>
+        </p:nvPicPr>
+        <p:blipFill>
+          <a:blip r:embed="rId2">
+            <a:extLst>
+              <a:ext uri="{28A0092B-C50C-407E-A947-70E740481C1C}">
+                <a14:useLocalDpi xmlns:a14="http://schemas.microsoft.com/office/drawing/2010/main" val="0"/>
+              </a:ext>
+              <a:ext uri="{96DAC541-7B7A-43D3-8B79-37D633B846F1}">
+                <asvg:svgBlip xmlns:asvg="http://schemas.microsoft.com/office/drawing/2016/SVG/main" r:embed="rId3"/>
+              </a:ext>
+            </a:extLst>
+          </a:blip>
+          <a:stretch>
+            <a:fillRect/>
+          </a:stretch>
+        </p:blipFill>
+        <p:spPr>
+          <a:xfrm>
+            <a:off x="5383296" y="643466"/>
+            <a:ext cx="5568739" cy="5568739"/>
+          </a:xfrm>
+          <a:prstGeom prst="rect">
+            <a:avLst/>
+          </a:prstGeom>
+        </p:spPr>
+      </p:pic>
+    </p:spTree>
+    <p:extLst>
+      <p:ext uri="{BB962C8B-B14F-4D97-AF65-F5344CB8AC3E}">
+        <p14:creationId xmlns:p14="http://schemas.microsoft.com/office/powerpoint/2010/main" val="1206567133"/>
       </p:ext>
     </p:extLst>
   </p:cSld>
